--- a/ordersystem/WebContent/analyseDocuments/前端界面设计.pptx
+++ b/ordersystem/WebContent/analyseDocuments/前端界面设计.pptx
@@ -4,11 +4,14 @@
   <p:sldMasterIdLst>
     <p:sldMasterId id="2147483648" r:id="rId1"/>
   </p:sldMasterIdLst>
+  <p:notesMasterIdLst>
+    <p:notesMasterId r:id="rId6"/>
+  </p:notesMasterIdLst>
   <p:sldIdLst>
-    <p:sldId id="256" r:id="rId3"/>
+    <p:sldId id="260" r:id="rId3"/>
     <p:sldId id="257" r:id="rId4"/>
     <p:sldId id="258" r:id="rId5"/>
-    <p:sldId id="259" r:id="rId6"/>
+    <p:sldId id="259" r:id="rId7"/>
   </p:sldIdLst>
   <p:sldSz cx="12192000" cy="6858000"/>
   <p:notesSz cx="6858000" cy="9144000"/>
@@ -108,6 +111,418 @@
     </a:lvl9pPr>
   </p:defaultTextStyle>
 </p:presentation>
+</file>
+
+<file path=ppt/notesMasters/notesMaster1.xml><?xml version="1.0" encoding="utf-8"?>
+<p:notesMaster xmlns:a="http://schemas.openxmlformats.org/drawingml/2006/main" xmlns:r="http://schemas.openxmlformats.org/officeDocument/2006/relationships" xmlns:p="http://schemas.openxmlformats.org/presentationml/2006/main">
+  <p:cSld>
+    <p:bg>
+      <p:bgRef idx="1001">
+        <a:schemeClr val="bg1"/>
+      </p:bgRef>
+    </p:bg>
+    <p:spTree>
+      <p:nvGrpSpPr>
+        <p:cNvPr id="1" name=""/>
+        <p:cNvGrpSpPr/>
+        <p:nvPr/>
+      </p:nvGrpSpPr>
+      <p:grpSpPr>
+        <a:xfrm>
+          <a:off x="0" y="0"/>
+          <a:ext cx="0" cy="0"/>
+          <a:chOff x="0" y="0"/>
+          <a:chExt cx="0" cy="0"/>
+        </a:xfrm>
+      </p:grpSpPr>
+      <p:sp>
+        <p:nvSpPr>
+          <p:cNvPr id="2" name="页眉占位符 1"/>
+          <p:cNvSpPr>
+            <a:spLocks noGrp="1"/>
+          </p:cNvSpPr>
+          <p:nvPr>
+            <p:ph type="hdr" sz="quarter"/>
+          </p:nvPr>
+        </p:nvSpPr>
+        <p:spPr>
+          <a:xfrm>
+            <a:off x="0" y="0"/>
+            <a:ext cx="2971800" cy="458788"/>
+          </a:xfrm>
+          <a:prstGeom prst="rect">
+            <a:avLst/>
+          </a:prstGeom>
+        </p:spPr>
+        <p:txBody>
+          <a:bodyPr vert="horz" lIns="91440" tIns="45720" rIns="91440" bIns="45720" rtlCol="0"/>
+          <a:lstStyle>
+            <a:lvl1pPr algn="l">
+              <a:defRPr sz="1200"/>
+            </a:lvl1pPr>
+          </a:lstStyle>
+          <a:p>
+            <a:endParaRPr lang="zh-CN" altLang="en-US"/>
+          </a:p>
+        </p:txBody>
+      </p:sp>
+      <p:sp>
+        <p:nvSpPr>
+          <p:cNvPr id="3" name="日期占位符 2"/>
+          <p:cNvSpPr>
+            <a:spLocks noGrp="1"/>
+          </p:cNvSpPr>
+          <p:nvPr>
+            <p:ph type="dt" idx="1"/>
+          </p:nvPr>
+        </p:nvSpPr>
+        <p:spPr>
+          <a:xfrm>
+            <a:off x="3884613" y="0"/>
+            <a:ext cx="2971800" cy="458788"/>
+          </a:xfrm>
+          <a:prstGeom prst="rect">
+            <a:avLst/>
+          </a:prstGeom>
+        </p:spPr>
+        <p:txBody>
+          <a:bodyPr vert="horz" lIns="91440" tIns="45720" rIns="91440" bIns="45720" rtlCol="0"/>
+          <a:lstStyle>
+            <a:lvl1pPr algn="r">
+              <a:defRPr sz="1200"/>
+            </a:lvl1pPr>
+          </a:lstStyle>
+          <a:p>
+            <a:fld id="{D2A48B96-639E-45A3-A0BA-2464DFDB1FAA}" type="datetimeFigureOut">
+              <a:rPr lang="zh-CN" altLang="en-US" smtClean="0"/>
+            </a:fld>
+            <a:endParaRPr lang="zh-CN" altLang="en-US"/>
+          </a:p>
+        </p:txBody>
+      </p:sp>
+      <p:sp>
+        <p:nvSpPr>
+          <p:cNvPr id="4" name="幻灯片图像占位符 3"/>
+          <p:cNvSpPr>
+            <a:spLocks noGrp="1" noRot="1" noChangeAspect="1"/>
+          </p:cNvSpPr>
+          <p:nvPr>
+            <p:ph type="sldImg" idx="2"/>
+          </p:nvPr>
+        </p:nvSpPr>
+        <p:spPr>
+          <a:xfrm>
+            <a:off x="685800" y="1143000"/>
+            <a:ext cx="5486400" cy="3086100"/>
+          </a:xfrm>
+          <a:prstGeom prst="rect">
+            <a:avLst/>
+          </a:prstGeom>
+          <a:noFill/>
+          <a:ln w="12700">
+            <a:solidFill>
+              <a:prstClr val="black"/>
+            </a:solidFill>
+          </a:ln>
+        </p:spPr>
+        <p:txBody>
+          <a:bodyPr vert="horz" lIns="91440" tIns="45720" rIns="91440" bIns="45720" rtlCol="0" anchor="ctr"/>
+          <a:lstStyle/>
+          <a:p>
+            <a:endParaRPr lang="zh-CN" altLang="en-US"/>
+          </a:p>
+        </p:txBody>
+      </p:sp>
+      <p:sp>
+        <p:nvSpPr>
+          <p:cNvPr id="5" name="备注占位符 4"/>
+          <p:cNvSpPr>
+            <a:spLocks noGrp="1"/>
+          </p:cNvSpPr>
+          <p:nvPr>
+            <p:ph type="body" sz="quarter" idx="3"/>
+          </p:nvPr>
+        </p:nvSpPr>
+        <p:spPr>
+          <a:xfrm>
+            <a:off x="685800" y="4400550"/>
+            <a:ext cx="5486400" cy="3600450"/>
+          </a:xfrm>
+          <a:prstGeom prst="rect">
+            <a:avLst/>
+          </a:prstGeom>
+        </p:spPr>
+        <p:txBody>
+          <a:bodyPr vert="horz" lIns="91440" tIns="45720" rIns="91440" bIns="45720" rtlCol="0"/>
+          <a:lstStyle/>
+          <a:p>
+            <a:pPr lvl="0"/>
+            <a:r>
+              <a:rPr lang="zh-CN" altLang="en-US" smtClean="0"/>
+              <a:t>单击此处编辑母版文本样式</a:t>
+            </a:r>
+            <a:endParaRPr lang="zh-CN" altLang="en-US" smtClean="0"/>
+          </a:p>
+          <a:p>
+            <a:pPr lvl="1"/>
+            <a:r>
+              <a:rPr lang="zh-CN" altLang="en-US" smtClean="0"/>
+              <a:t>第二级</a:t>
+            </a:r>
+            <a:endParaRPr lang="zh-CN" altLang="en-US" smtClean="0"/>
+          </a:p>
+          <a:p>
+            <a:pPr lvl="2"/>
+            <a:r>
+              <a:rPr lang="zh-CN" altLang="en-US" smtClean="0"/>
+              <a:t>第三级</a:t>
+            </a:r>
+            <a:endParaRPr lang="zh-CN" altLang="en-US" smtClean="0"/>
+          </a:p>
+          <a:p>
+            <a:pPr lvl="3"/>
+            <a:r>
+              <a:rPr lang="zh-CN" altLang="en-US" smtClean="0"/>
+              <a:t>第四级</a:t>
+            </a:r>
+            <a:endParaRPr lang="zh-CN" altLang="en-US" smtClean="0"/>
+          </a:p>
+          <a:p>
+            <a:pPr lvl="4"/>
+            <a:r>
+              <a:rPr lang="zh-CN" altLang="en-US" smtClean="0"/>
+              <a:t>第五级</a:t>
+            </a:r>
+            <a:endParaRPr lang="zh-CN" altLang="en-US"/>
+          </a:p>
+        </p:txBody>
+      </p:sp>
+      <p:sp>
+        <p:nvSpPr>
+          <p:cNvPr id="6" name="页脚占位符 5"/>
+          <p:cNvSpPr>
+            <a:spLocks noGrp="1"/>
+          </p:cNvSpPr>
+          <p:nvPr>
+            <p:ph type="ftr" sz="quarter" idx="4"/>
+          </p:nvPr>
+        </p:nvSpPr>
+        <p:spPr>
+          <a:xfrm>
+            <a:off x="0" y="8685213"/>
+            <a:ext cx="2971800" cy="458787"/>
+          </a:xfrm>
+          <a:prstGeom prst="rect">
+            <a:avLst/>
+          </a:prstGeom>
+        </p:spPr>
+        <p:txBody>
+          <a:bodyPr vert="horz" lIns="91440" tIns="45720" rIns="91440" bIns="45720" rtlCol="0" anchor="b"/>
+          <a:lstStyle>
+            <a:lvl1pPr algn="l">
+              <a:defRPr sz="1200"/>
+            </a:lvl1pPr>
+          </a:lstStyle>
+          <a:p>
+            <a:endParaRPr lang="zh-CN" altLang="en-US"/>
+          </a:p>
+        </p:txBody>
+      </p:sp>
+      <p:sp>
+        <p:nvSpPr>
+          <p:cNvPr id="7" name="灯片编号占位符 6"/>
+          <p:cNvSpPr>
+            <a:spLocks noGrp="1"/>
+          </p:cNvSpPr>
+          <p:nvPr>
+            <p:ph type="sldNum" sz="quarter" idx="5"/>
+          </p:nvPr>
+        </p:nvSpPr>
+        <p:spPr>
+          <a:xfrm>
+            <a:off x="3884613" y="8685213"/>
+            <a:ext cx="2971800" cy="458787"/>
+          </a:xfrm>
+          <a:prstGeom prst="rect">
+            <a:avLst/>
+          </a:prstGeom>
+        </p:spPr>
+        <p:txBody>
+          <a:bodyPr vert="horz" lIns="91440" tIns="45720" rIns="91440" bIns="45720" rtlCol="0" anchor="b"/>
+          <a:lstStyle>
+            <a:lvl1pPr algn="r">
+              <a:defRPr sz="1200"/>
+            </a:lvl1pPr>
+          </a:lstStyle>
+          <a:p>
+            <a:fld id="{A6837353-30EB-4A48-80EB-173D804AEFBD}" type="slidenum">
+              <a:rPr lang="zh-CN" altLang="en-US" smtClean="0"/>
+            </a:fld>
+            <a:endParaRPr lang="zh-CN" altLang="en-US"/>
+          </a:p>
+        </p:txBody>
+      </p:sp>
+    </p:spTree>
+  </p:cSld>
+  <p:clrMap bg1="lt1" tx1="dk1" bg2="lt2" tx2="dk2" accent1="accent1" accent2="accent2" accent3="accent3" accent4="accent4" accent5="accent5" accent6="accent6" hlink="hlink" folHlink="folHlink"/>
+  <p:notesStyle>
+    <a:lvl1pPr marL="0" algn="l" defTabSz="914400" rtl="0" eaLnBrk="1" latinLnBrk="0" hangingPunct="1">
+      <a:defRPr sz="1200" kern="1200">
+        <a:solidFill>
+          <a:schemeClr val="tx1"/>
+        </a:solidFill>
+        <a:latin typeface="+mn-lt"/>
+        <a:ea typeface="+mn-ea"/>
+        <a:cs typeface="+mn-cs"/>
+      </a:defRPr>
+    </a:lvl1pPr>
+    <a:lvl2pPr marL="457200" algn="l" defTabSz="914400" rtl="0" eaLnBrk="1" latinLnBrk="0" hangingPunct="1">
+      <a:defRPr sz="1200" kern="1200">
+        <a:solidFill>
+          <a:schemeClr val="tx1"/>
+        </a:solidFill>
+        <a:latin typeface="+mn-lt"/>
+        <a:ea typeface="+mn-ea"/>
+        <a:cs typeface="+mn-cs"/>
+      </a:defRPr>
+    </a:lvl2pPr>
+    <a:lvl3pPr marL="914400" algn="l" defTabSz="914400" rtl="0" eaLnBrk="1" latinLnBrk="0" hangingPunct="1">
+      <a:defRPr sz="1200" kern="1200">
+        <a:solidFill>
+          <a:schemeClr val="tx1"/>
+        </a:solidFill>
+        <a:latin typeface="+mn-lt"/>
+        <a:ea typeface="+mn-ea"/>
+        <a:cs typeface="+mn-cs"/>
+      </a:defRPr>
+    </a:lvl3pPr>
+    <a:lvl4pPr marL="1371600" algn="l" defTabSz="914400" rtl="0" eaLnBrk="1" latinLnBrk="0" hangingPunct="1">
+      <a:defRPr sz="1200" kern="1200">
+        <a:solidFill>
+          <a:schemeClr val="tx1"/>
+        </a:solidFill>
+        <a:latin typeface="+mn-lt"/>
+        <a:ea typeface="+mn-ea"/>
+        <a:cs typeface="+mn-cs"/>
+      </a:defRPr>
+    </a:lvl4pPr>
+    <a:lvl5pPr marL="1828800" algn="l" defTabSz="914400" rtl="0" eaLnBrk="1" latinLnBrk="0" hangingPunct="1">
+      <a:defRPr sz="1200" kern="1200">
+        <a:solidFill>
+          <a:schemeClr val="tx1"/>
+        </a:solidFill>
+        <a:latin typeface="+mn-lt"/>
+        <a:ea typeface="+mn-ea"/>
+        <a:cs typeface="+mn-cs"/>
+      </a:defRPr>
+    </a:lvl5pPr>
+    <a:lvl6pPr marL="2286000" algn="l" defTabSz="914400" rtl="0" eaLnBrk="1" latinLnBrk="0" hangingPunct="1">
+      <a:defRPr sz="1200" kern="1200">
+        <a:solidFill>
+          <a:schemeClr val="tx1"/>
+        </a:solidFill>
+        <a:latin typeface="+mn-lt"/>
+        <a:ea typeface="+mn-ea"/>
+        <a:cs typeface="+mn-cs"/>
+      </a:defRPr>
+    </a:lvl6pPr>
+    <a:lvl7pPr marL="2743200" algn="l" defTabSz="914400" rtl="0" eaLnBrk="1" latinLnBrk="0" hangingPunct="1">
+      <a:defRPr sz="1200" kern="1200">
+        <a:solidFill>
+          <a:schemeClr val="tx1"/>
+        </a:solidFill>
+        <a:latin typeface="+mn-lt"/>
+        <a:ea typeface="+mn-ea"/>
+        <a:cs typeface="+mn-cs"/>
+      </a:defRPr>
+    </a:lvl7pPr>
+    <a:lvl8pPr marL="3200400" algn="l" defTabSz="914400" rtl="0" eaLnBrk="1" latinLnBrk="0" hangingPunct="1">
+      <a:defRPr sz="1200" kern="1200">
+        <a:solidFill>
+          <a:schemeClr val="tx1"/>
+        </a:solidFill>
+        <a:latin typeface="+mn-lt"/>
+        <a:ea typeface="+mn-ea"/>
+        <a:cs typeface="+mn-cs"/>
+      </a:defRPr>
+    </a:lvl8pPr>
+    <a:lvl9pPr marL="3657600" algn="l" defTabSz="914400" rtl="0" eaLnBrk="1" latinLnBrk="0" hangingPunct="1">
+      <a:defRPr sz="1200" kern="1200">
+        <a:solidFill>
+          <a:schemeClr val="tx1"/>
+        </a:solidFill>
+        <a:latin typeface="+mn-lt"/>
+        <a:ea typeface="+mn-ea"/>
+        <a:cs typeface="+mn-cs"/>
+      </a:defRPr>
+    </a:lvl9pPr>
+  </p:notesStyle>
+</p:notesMaster>
+</file>
+
+<file path=ppt/notesSlides/notesSlide1.xml><?xml version="1.0" encoding="utf-8"?>
+<p:notes xmlns:a="http://schemas.openxmlformats.org/drawingml/2006/main" xmlns:r="http://schemas.openxmlformats.org/officeDocument/2006/relationships" xmlns:p="http://schemas.openxmlformats.org/presentationml/2006/main">
+  <p:cSld>
+    <p:spTree>
+      <p:nvGrpSpPr>
+        <p:cNvPr id="1" name=""/>
+        <p:cNvGrpSpPr/>
+        <p:nvPr/>
+      </p:nvGrpSpPr>
+      <p:grpSpPr/>
+      <p:sp>
+        <p:nvSpPr>
+          <p:cNvPr id="2" name="幻灯片图像占位符 1"/>
+          <p:cNvSpPr/>
+          <p:nvPr>
+            <p:ph type="sldImg" idx="2"/>
+          </p:nvPr>
+        </p:nvSpPr>
+        <p:spPr/>
+      </p:sp>
+      <p:sp>
+        <p:nvSpPr>
+          <p:cNvPr id="3" name="文本占位符 2"/>
+          <p:cNvSpPr/>
+          <p:nvPr>
+            <p:ph type="body" idx="3"/>
+          </p:nvPr>
+        </p:nvSpPr>
+        <p:spPr/>
+        <p:txBody>
+          <a:bodyPr/>
+          <a:p>
+            <a:endParaRPr lang="zh-CN" altLang="en-US"/>
+          </a:p>
+        </p:txBody>
+      </p:sp>
+      <p:sp>
+        <p:nvSpPr>
+          <p:cNvPr id="4" name="灯片编号占位符 3"/>
+          <p:cNvSpPr>
+            <a:spLocks noGrp="1"/>
+          </p:cNvSpPr>
+          <p:nvPr>
+            <p:ph type="sldNum" sz="quarter" idx="5"/>
+          </p:nvPr>
+        </p:nvSpPr>
+        <p:spPr/>
+        <p:txBody>
+          <a:bodyPr/>
+          <a:p>
+            <a:fld id="{A6837353-30EB-4A48-80EB-173D804AEFBD}" type="slidenum">
+              <a:rPr lang="zh-CN" altLang="en-US" smtClean="0"/>
+            </a:fld>
+            <a:endParaRPr lang="zh-CN" altLang="en-US"/>
+          </a:p>
+        </p:txBody>
+      </p:sp>
+    </p:spTree>
+  </p:cSld>
+  <p:clrMapOvr>
+    <a:masterClrMapping/>
+  </p:clrMapOvr>
+</p:notes>
 </file>
 
 <file path=ppt/slideLayouts/slideLayout1.xml><?xml version="1.0" encoding="utf-8"?>
@@ -3082,14 +3497,14 @@
       <p:grpSpPr/>
       <p:sp>
         <p:nvSpPr>
-          <p:cNvPr id="5" name="文本框 4"/>
+          <p:cNvPr id="4" name="文本框 3"/>
           <p:cNvSpPr txBox="1"/>
           <p:nvPr/>
         </p:nvSpPr>
         <p:spPr>
           <a:xfrm>
-            <a:off x="1220470" y="447040"/>
-            <a:ext cx="853440" cy="4896485"/>
+            <a:off x="1064260" y="315595"/>
+            <a:ext cx="457200" cy="6134100"/>
           </a:xfrm>
           <a:prstGeom prst="rect">
             <a:avLst/>
@@ -3102,38 +3517,1532 @@
           </a:bodyPr>
           <a:p>
             <a:r>
-              <a:rPr lang="zh-CN" altLang="en-US" sz="4400" b="1"/>
+              <a:rPr lang="zh-CN" altLang="en-US" b="1"/>
               <a:t>首页</a:t>
             </a:r>
-            <a:endParaRPr lang="zh-CN" altLang="en-US" sz="4400" b="1"/>
-          </a:p>
-        </p:txBody>
-      </p:sp>
-      <p:pic>
-        <p:nvPicPr>
-          <p:cNvPr id="6" name="图片 5"/>
-          <p:cNvPicPr>
-            <a:picLocks noChangeAspect="1"/>
-          </p:cNvPicPr>
-          <p:nvPr/>
-        </p:nvPicPr>
-        <p:blipFill>
-          <a:blip r:embed="rId1"/>
-          <a:srcRect/>
-          <a:stretch>
-            <a:fillRect/>
-          </a:stretch>
-        </p:blipFill>
-        <p:spPr>
-          <a:xfrm>
-            <a:off x="2143760" y="45085"/>
-            <a:ext cx="8168640" cy="6755765"/>
-          </a:xfrm>
-          <a:prstGeom prst="rect">
-            <a:avLst/>
-          </a:prstGeom>
-        </p:spPr>
-      </p:pic>
+            <a:endParaRPr lang="zh-CN" altLang="en-US" b="1"/>
+          </a:p>
+        </p:txBody>
+      </p:sp>
+      <p:sp>
+        <p:nvSpPr>
+          <p:cNvPr id="5" name="矩形 4"/>
+          <p:cNvSpPr/>
+          <p:nvPr/>
+        </p:nvSpPr>
+        <p:spPr>
+          <a:xfrm>
+            <a:off x="2087245" y="157480"/>
+            <a:ext cx="8108315" cy="697865"/>
+          </a:xfrm>
+          <a:prstGeom prst="rect">
+            <a:avLst/>
+          </a:prstGeom>
+        </p:spPr>
+        <p:style>
+          <a:lnRef idx="2">
+            <a:schemeClr val="accent6"/>
+          </a:lnRef>
+          <a:fillRef idx="1">
+            <a:schemeClr val="lt1"/>
+          </a:fillRef>
+          <a:effectRef idx="0">
+            <a:schemeClr val="accent6"/>
+          </a:effectRef>
+          <a:fontRef idx="minor">
+            <a:schemeClr val="dk1"/>
+          </a:fontRef>
+        </p:style>
+        <p:txBody>
+          <a:bodyPr rtlCol="0" anchor="ctr"/>
+          <a:p>
+            <a:pPr algn="ctr"/>
+            <a:endParaRPr lang="zh-CN" altLang="en-US"/>
+          </a:p>
+        </p:txBody>
+      </p:sp>
+      <p:sp>
+        <p:nvSpPr>
+          <p:cNvPr id="6" name="矩形 5"/>
+          <p:cNvSpPr/>
+          <p:nvPr/>
+        </p:nvSpPr>
+        <p:spPr>
+          <a:xfrm>
+            <a:off x="2179955" y="224155"/>
+            <a:ext cx="2395855" cy="565785"/>
+          </a:xfrm>
+          <a:prstGeom prst="rect">
+            <a:avLst/>
+          </a:prstGeom>
+        </p:spPr>
+        <p:style>
+          <a:lnRef idx="2">
+            <a:schemeClr val="accent6"/>
+          </a:lnRef>
+          <a:fillRef idx="1">
+            <a:schemeClr val="lt1"/>
+          </a:fillRef>
+          <a:effectRef idx="0">
+            <a:schemeClr val="accent6"/>
+          </a:effectRef>
+          <a:fontRef idx="minor">
+            <a:schemeClr val="dk1"/>
+          </a:fontRef>
+        </p:style>
+        <p:txBody>
+          <a:bodyPr rtlCol="0" anchor="ctr"/>
+          <a:p>
+            <a:pPr algn="ctr"/>
+            <a:endParaRPr lang="zh-CN" altLang="en-US"/>
+          </a:p>
+        </p:txBody>
+      </p:sp>
+      <p:sp>
+        <p:nvSpPr>
+          <p:cNvPr id="7" name="文本框 6"/>
+          <p:cNvSpPr txBox="1"/>
+          <p:nvPr/>
+        </p:nvSpPr>
+        <p:spPr>
+          <a:xfrm>
+            <a:off x="2245995" y="341630"/>
+            <a:ext cx="2224405" cy="365760"/>
+          </a:xfrm>
+          <a:prstGeom prst="rect">
+            <a:avLst/>
+          </a:prstGeom>
+          <a:noFill/>
+        </p:spPr>
+        <p:txBody>
+          <a:bodyPr wrap="square" rtlCol="0">
+            <a:spAutoFit/>
+          </a:bodyPr>
+          <a:p>
+            <a:r>
+              <a:rPr lang="zh-CN" altLang="en-US"/>
+              <a:t>显示店名的文本框</a:t>
+            </a:r>
+            <a:endParaRPr lang="zh-CN" altLang="en-US"/>
+          </a:p>
+        </p:txBody>
+      </p:sp>
+      <p:sp>
+        <p:nvSpPr>
+          <p:cNvPr id="8" name="矩形 7"/>
+          <p:cNvSpPr/>
+          <p:nvPr/>
+        </p:nvSpPr>
+        <p:spPr>
+          <a:xfrm>
+            <a:off x="4653915" y="236220"/>
+            <a:ext cx="5449570" cy="566420"/>
+          </a:xfrm>
+          <a:prstGeom prst="rect">
+            <a:avLst/>
+          </a:prstGeom>
+        </p:spPr>
+        <p:style>
+          <a:lnRef idx="2">
+            <a:schemeClr val="accent6"/>
+          </a:lnRef>
+          <a:fillRef idx="1">
+            <a:schemeClr val="lt1"/>
+          </a:fillRef>
+          <a:effectRef idx="0">
+            <a:schemeClr val="accent6"/>
+          </a:effectRef>
+          <a:fontRef idx="minor">
+            <a:schemeClr val="dk1"/>
+          </a:fontRef>
+        </p:style>
+        <p:txBody>
+          <a:bodyPr rtlCol="0" anchor="ctr"/>
+          <a:p>
+            <a:pPr algn="ctr"/>
+            <a:endParaRPr lang="zh-CN" altLang="en-US"/>
+          </a:p>
+        </p:txBody>
+      </p:sp>
+      <p:sp>
+        <p:nvSpPr>
+          <p:cNvPr id="9" name="文本框 8"/>
+          <p:cNvSpPr txBox="1"/>
+          <p:nvPr/>
+        </p:nvSpPr>
+        <p:spPr>
+          <a:xfrm>
+            <a:off x="4733290" y="315595"/>
+            <a:ext cx="5278120" cy="368300"/>
+          </a:xfrm>
+          <a:prstGeom prst="rect">
+            <a:avLst/>
+          </a:prstGeom>
+          <a:noFill/>
+        </p:spPr>
+        <p:txBody>
+          <a:bodyPr wrap="square" rtlCol="0">
+            <a:spAutoFit/>
+          </a:bodyPr>
+          <a:p>
+            <a:r>
+              <a:rPr lang="zh-CN" altLang="en-US"/>
+              <a:t>本店的简介信息</a:t>
+            </a:r>
+            <a:r>
+              <a:rPr lang="en-US" altLang="zh-CN"/>
+              <a:t>(</a:t>
+            </a:r>
+            <a:r>
+              <a:rPr lang="zh-CN" altLang="en-US"/>
+              <a:t>可滚动</a:t>
+            </a:r>
+            <a:r>
+              <a:rPr lang="en-US" altLang="zh-CN"/>
+              <a:t>)</a:t>
+            </a:r>
+            <a:endParaRPr lang="en-US" altLang="zh-CN"/>
+          </a:p>
+        </p:txBody>
+      </p:sp>
+      <p:sp>
+        <p:nvSpPr>
+          <p:cNvPr id="10" name="矩形 9"/>
+          <p:cNvSpPr/>
+          <p:nvPr/>
+        </p:nvSpPr>
+        <p:spPr>
+          <a:xfrm>
+            <a:off x="2087245" y="934085"/>
+            <a:ext cx="6396990" cy="460375"/>
+          </a:xfrm>
+          <a:prstGeom prst="rect">
+            <a:avLst/>
+          </a:prstGeom>
+        </p:spPr>
+        <p:style>
+          <a:lnRef idx="2">
+            <a:schemeClr val="accent6"/>
+          </a:lnRef>
+          <a:fillRef idx="1">
+            <a:schemeClr val="lt1"/>
+          </a:fillRef>
+          <a:effectRef idx="0">
+            <a:schemeClr val="accent6"/>
+          </a:effectRef>
+          <a:fontRef idx="minor">
+            <a:schemeClr val="dk1"/>
+          </a:fontRef>
+        </p:style>
+        <p:txBody>
+          <a:bodyPr rtlCol="0" anchor="ctr"/>
+          <a:p>
+            <a:pPr algn="ctr"/>
+            <a:endParaRPr lang="zh-CN" altLang="en-US"/>
+          </a:p>
+        </p:txBody>
+      </p:sp>
+      <p:sp>
+        <p:nvSpPr>
+          <p:cNvPr id="11" name="文本框 10"/>
+          <p:cNvSpPr txBox="1"/>
+          <p:nvPr/>
+        </p:nvSpPr>
+        <p:spPr>
+          <a:xfrm>
+            <a:off x="2192655" y="986790"/>
+            <a:ext cx="6173470" cy="368300"/>
+          </a:xfrm>
+          <a:prstGeom prst="rect">
+            <a:avLst/>
+          </a:prstGeom>
+          <a:noFill/>
+        </p:spPr>
+        <p:txBody>
+          <a:bodyPr wrap="square" rtlCol="0">
+            <a:spAutoFit/>
+          </a:bodyPr>
+          <a:p>
+            <a:r>
+              <a:rPr lang="zh-CN" altLang="en-US"/>
+              <a:t>您前面还有</a:t>
+            </a:r>
+            <a:r>
+              <a:rPr lang="en-US" altLang="zh-CN"/>
+              <a:t>2</a:t>
+            </a:r>
+            <a:r>
+              <a:rPr lang="zh-CN" altLang="en-US"/>
+              <a:t>位顾客在排队，预计</a:t>
+            </a:r>
+            <a:r>
+              <a:rPr lang="en-US" altLang="zh-CN"/>
+              <a:t>10</a:t>
+            </a:r>
+            <a:r>
+              <a:rPr lang="zh-CN" altLang="en-US"/>
+              <a:t>分后上菜，请耐心等待。</a:t>
+            </a:r>
+            <a:endParaRPr lang="zh-CN" altLang="en-US"/>
+          </a:p>
+        </p:txBody>
+      </p:sp>
+      <p:sp>
+        <p:nvSpPr>
+          <p:cNvPr id="12" name="矩形 11"/>
+          <p:cNvSpPr/>
+          <p:nvPr/>
+        </p:nvSpPr>
+        <p:spPr>
+          <a:xfrm>
+            <a:off x="8563610" y="947420"/>
+            <a:ext cx="1645285" cy="434340"/>
+          </a:xfrm>
+          <a:prstGeom prst="rect">
+            <a:avLst/>
+          </a:prstGeom>
+        </p:spPr>
+        <p:style>
+          <a:lnRef idx="2">
+            <a:schemeClr val="accent1">
+              <a:shade val="50000"/>
+            </a:schemeClr>
+          </a:lnRef>
+          <a:fillRef idx="1">
+            <a:schemeClr val="accent1"/>
+          </a:fillRef>
+          <a:effectRef idx="0">
+            <a:schemeClr val="accent1"/>
+          </a:effectRef>
+          <a:fontRef idx="minor">
+            <a:schemeClr val="lt1"/>
+          </a:fontRef>
+        </p:style>
+        <p:txBody>
+          <a:bodyPr rtlCol="0" anchor="ctr"/>
+          <a:p>
+            <a:pPr algn="ctr"/>
+            <a:endParaRPr lang="zh-CN" altLang="en-US"/>
+          </a:p>
+        </p:txBody>
+      </p:sp>
+      <p:sp>
+        <p:nvSpPr>
+          <p:cNvPr id="13" name="文本框 12"/>
+          <p:cNvSpPr txBox="1"/>
+          <p:nvPr/>
+        </p:nvSpPr>
+        <p:spPr>
+          <a:xfrm>
+            <a:off x="8655685" y="986790"/>
+            <a:ext cx="1447800" cy="365760"/>
+          </a:xfrm>
+          <a:prstGeom prst="rect">
+            <a:avLst/>
+          </a:prstGeom>
+          <a:noFill/>
+        </p:spPr>
+        <p:txBody>
+          <a:bodyPr wrap="square" rtlCol="0">
+            <a:spAutoFit/>
+          </a:bodyPr>
+          <a:p>
+            <a:r>
+              <a:rPr lang="zh-CN" altLang="en-US"/>
+              <a:t>已点菜单</a:t>
+            </a:r>
+            <a:endParaRPr lang="zh-CN" altLang="en-US"/>
+          </a:p>
+        </p:txBody>
+      </p:sp>
+      <p:sp>
+        <p:nvSpPr>
+          <p:cNvPr id="14" name="矩形 13"/>
+          <p:cNvSpPr/>
+          <p:nvPr/>
+        </p:nvSpPr>
+        <p:spPr>
+          <a:xfrm>
+            <a:off x="2087880" y="1474470"/>
+            <a:ext cx="8134985" cy="1185545"/>
+          </a:xfrm>
+          <a:prstGeom prst="rect">
+            <a:avLst/>
+          </a:prstGeom>
+        </p:spPr>
+        <p:style>
+          <a:lnRef idx="2">
+            <a:schemeClr val="accent6"/>
+          </a:lnRef>
+          <a:fillRef idx="1">
+            <a:schemeClr val="lt1"/>
+          </a:fillRef>
+          <a:effectRef idx="0">
+            <a:schemeClr val="accent6"/>
+          </a:effectRef>
+          <a:fontRef idx="minor">
+            <a:schemeClr val="dk1"/>
+          </a:fontRef>
+        </p:style>
+        <p:txBody>
+          <a:bodyPr rtlCol="0" anchor="ctr"/>
+          <a:p>
+            <a:pPr algn="ctr"/>
+            <a:endParaRPr lang="zh-CN" altLang="en-US"/>
+          </a:p>
+        </p:txBody>
+      </p:sp>
+      <p:sp>
+        <p:nvSpPr>
+          <p:cNvPr id="15" name="文本框 14"/>
+          <p:cNvSpPr txBox="1"/>
+          <p:nvPr/>
+        </p:nvSpPr>
+        <p:spPr>
+          <a:xfrm>
+            <a:off x="2205990" y="1565910"/>
+            <a:ext cx="7910830" cy="368300"/>
+          </a:xfrm>
+          <a:prstGeom prst="rect">
+            <a:avLst/>
+          </a:prstGeom>
+          <a:noFill/>
+        </p:spPr>
+        <p:txBody>
+          <a:bodyPr wrap="square" rtlCol="0">
+            <a:spAutoFit/>
+          </a:bodyPr>
+          <a:p>
+            <a:r>
+              <a:rPr lang="zh-CN" altLang="en-US"/>
+              <a:t>五张轮播图</a:t>
+            </a:r>
+            <a:r>
+              <a:rPr lang="en-US" altLang="zh-CN"/>
+              <a:t>(</a:t>
+            </a:r>
+            <a:r>
+              <a:rPr lang="zh-CN" altLang="en-US"/>
+              <a:t>图片右下角为对应的菜单名</a:t>
+            </a:r>
+            <a:r>
+              <a:rPr lang="en-US" altLang="zh-CN"/>
+              <a:t>)</a:t>
+            </a:r>
+            <a:endParaRPr lang="en-US" altLang="zh-CN"/>
+          </a:p>
+        </p:txBody>
+      </p:sp>
+      <p:sp>
+        <p:nvSpPr>
+          <p:cNvPr id="16" name="矩形 15"/>
+          <p:cNvSpPr/>
+          <p:nvPr/>
+        </p:nvSpPr>
+        <p:spPr>
+          <a:xfrm>
+            <a:off x="2087245" y="2731135"/>
+            <a:ext cx="1697990" cy="4039235"/>
+          </a:xfrm>
+          <a:prstGeom prst="rect">
+            <a:avLst/>
+          </a:prstGeom>
+        </p:spPr>
+        <p:style>
+          <a:lnRef idx="2">
+            <a:schemeClr val="accent6"/>
+          </a:lnRef>
+          <a:fillRef idx="1">
+            <a:schemeClr val="lt1"/>
+          </a:fillRef>
+          <a:effectRef idx="0">
+            <a:schemeClr val="accent6"/>
+          </a:effectRef>
+          <a:fontRef idx="minor">
+            <a:schemeClr val="dk1"/>
+          </a:fontRef>
+        </p:style>
+        <p:txBody>
+          <a:bodyPr rtlCol="0" anchor="ctr"/>
+          <a:p>
+            <a:pPr algn="ctr"/>
+            <a:endParaRPr lang="zh-CN" altLang="en-US"/>
+          </a:p>
+        </p:txBody>
+      </p:sp>
+      <p:sp>
+        <p:nvSpPr>
+          <p:cNvPr id="20" name="矩形 19"/>
+          <p:cNvSpPr/>
+          <p:nvPr/>
+        </p:nvSpPr>
+        <p:spPr>
+          <a:xfrm>
+            <a:off x="2165985" y="2821940"/>
+            <a:ext cx="1553210" cy="394970"/>
+          </a:xfrm>
+          <a:prstGeom prst="rect">
+            <a:avLst/>
+          </a:prstGeom>
+        </p:spPr>
+        <p:style>
+          <a:lnRef idx="2">
+            <a:schemeClr val="accent6"/>
+          </a:lnRef>
+          <a:fillRef idx="1">
+            <a:schemeClr val="lt1"/>
+          </a:fillRef>
+          <a:effectRef idx="0">
+            <a:schemeClr val="accent6"/>
+          </a:effectRef>
+          <a:fontRef idx="minor">
+            <a:schemeClr val="dk1"/>
+          </a:fontRef>
+        </p:style>
+        <p:txBody>
+          <a:bodyPr rtlCol="0" anchor="ctr"/>
+          <a:p>
+            <a:pPr algn="ctr"/>
+            <a:endParaRPr lang="zh-CN" altLang="en-US"/>
+          </a:p>
+        </p:txBody>
+      </p:sp>
+      <p:sp>
+        <p:nvSpPr>
+          <p:cNvPr id="21" name="文本框 20"/>
+          <p:cNvSpPr txBox="1"/>
+          <p:nvPr/>
+        </p:nvSpPr>
+        <p:spPr>
+          <a:xfrm>
+            <a:off x="2218690" y="2874645"/>
+            <a:ext cx="1447800" cy="365760"/>
+          </a:xfrm>
+          <a:prstGeom prst="rect">
+            <a:avLst/>
+          </a:prstGeom>
+          <a:noFill/>
+        </p:spPr>
+        <p:txBody>
+          <a:bodyPr wrap="square" rtlCol="0">
+            <a:spAutoFit/>
+          </a:bodyPr>
+          <a:p>
+            <a:r>
+              <a:rPr lang="zh-CN" altLang="en-US"/>
+              <a:t>所有菜单</a:t>
+            </a:r>
+            <a:endParaRPr lang="zh-CN" altLang="en-US"/>
+          </a:p>
+        </p:txBody>
+      </p:sp>
+      <p:sp>
+        <p:nvSpPr>
+          <p:cNvPr id="22" name="矩形 21"/>
+          <p:cNvSpPr/>
+          <p:nvPr/>
+        </p:nvSpPr>
+        <p:spPr>
+          <a:xfrm>
+            <a:off x="2178685" y="3329940"/>
+            <a:ext cx="1553210" cy="394970"/>
+          </a:xfrm>
+          <a:prstGeom prst="rect">
+            <a:avLst/>
+          </a:prstGeom>
+        </p:spPr>
+        <p:style>
+          <a:lnRef idx="2">
+            <a:schemeClr val="accent6"/>
+          </a:lnRef>
+          <a:fillRef idx="1">
+            <a:schemeClr val="lt1"/>
+          </a:fillRef>
+          <a:effectRef idx="0">
+            <a:schemeClr val="accent6"/>
+          </a:effectRef>
+          <a:fontRef idx="minor">
+            <a:schemeClr val="dk1"/>
+          </a:fontRef>
+        </p:style>
+        <p:txBody>
+          <a:bodyPr rtlCol="0" anchor="ctr"/>
+          <a:p>
+            <a:pPr algn="ctr"/>
+            <a:endParaRPr lang="zh-CN" altLang="en-US"/>
+          </a:p>
+        </p:txBody>
+      </p:sp>
+      <p:sp>
+        <p:nvSpPr>
+          <p:cNvPr id="23" name="矩形 22"/>
+          <p:cNvSpPr/>
+          <p:nvPr/>
+        </p:nvSpPr>
+        <p:spPr>
+          <a:xfrm>
+            <a:off x="2191385" y="3837940"/>
+            <a:ext cx="1553210" cy="394970"/>
+          </a:xfrm>
+          <a:prstGeom prst="rect">
+            <a:avLst/>
+          </a:prstGeom>
+        </p:spPr>
+        <p:style>
+          <a:lnRef idx="2">
+            <a:schemeClr val="accent6"/>
+          </a:lnRef>
+          <a:fillRef idx="1">
+            <a:schemeClr val="lt1"/>
+          </a:fillRef>
+          <a:effectRef idx="0">
+            <a:schemeClr val="accent6"/>
+          </a:effectRef>
+          <a:fontRef idx="minor">
+            <a:schemeClr val="dk1"/>
+          </a:fontRef>
+        </p:style>
+        <p:txBody>
+          <a:bodyPr rtlCol="0" anchor="ctr"/>
+          <a:p>
+            <a:pPr algn="ctr"/>
+            <a:endParaRPr lang="zh-CN" altLang="en-US"/>
+          </a:p>
+        </p:txBody>
+      </p:sp>
+      <p:sp>
+        <p:nvSpPr>
+          <p:cNvPr id="24" name="文本框 23"/>
+          <p:cNvSpPr txBox="1"/>
+          <p:nvPr/>
+        </p:nvSpPr>
+        <p:spPr>
+          <a:xfrm>
+            <a:off x="2218690" y="3382645"/>
+            <a:ext cx="1447800" cy="365760"/>
+          </a:xfrm>
+          <a:prstGeom prst="rect">
+            <a:avLst/>
+          </a:prstGeom>
+          <a:noFill/>
+        </p:spPr>
+        <p:txBody>
+          <a:bodyPr wrap="square" rtlCol="0">
+            <a:spAutoFit/>
+          </a:bodyPr>
+          <a:p>
+            <a:r>
+              <a:rPr lang="zh-CN" altLang="en-US"/>
+              <a:t>粤系</a:t>
+            </a:r>
+            <a:endParaRPr lang="zh-CN" altLang="en-US"/>
+          </a:p>
+        </p:txBody>
+      </p:sp>
+      <p:sp>
+        <p:nvSpPr>
+          <p:cNvPr id="25" name="文本框 24"/>
+          <p:cNvSpPr txBox="1"/>
+          <p:nvPr/>
+        </p:nvSpPr>
+        <p:spPr>
+          <a:xfrm>
+            <a:off x="2231390" y="3865245"/>
+            <a:ext cx="1447800" cy="365760"/>
+          </a:xfrm>
+          <a:prstGeom prst="rect">
+            <a:avLst/>
+          </a:prstGeom>
+          <a:noFill/>
+        </p:spPr>
+        <p:txBody>
+          <a:bodyPr wrap="square" rtlCol="0">
+            <a:spAutoFit/>
+          </a:bodyPr>
+          <a:p>
+            <a:r>
+              <a:rPr lang="zh-CN" altLang="en-US"/>
+              <a:t>浙系</a:t>
+            </a:r>
+            <a:endParaRPr lang="zh-CN" altLang="en-US"/>
+          </a:p>
+        </p:txBody>
+      </p:sp>
+      <p:sp>
+        <p:nvSpPr>
+          <p:cNvPr id="26" name="矩形 25"/>
+          <p:cNvSpPr/>
+          <p:nvPr/>
+        </p:nvSpPr>
+        <p:spPr>
+          <a:xfrm>
+            <a:off x="3851910" y="2742565"/>
+            <a:ext cx="6370955" cy="4028440"/>
+          </a:xfrm>
+          <a:prstGeom prst="rect">
+            <a:avLst/>
+          </a:prstGeom>
+        </p:spPr>
+        <p:style>
+          <a:lnRef idx="2">
+            <a:schemeClr val="accent6"/>
+          </a:lnRef>
+          <a:fillRef idx="1">
+            <a:schemeClr val="lt1"/>
+          </a:fillRef>
+          <a:effectRef idx="0">
+            <a:schemeClr val="accent6"/>
+          </a:effectRef>
+          <a:fontRef idx="minor">
+            <a:schemeClr val="dk1"/>
+          </a:fontRef>
+        </p:style>
+        <p:txBody>
+          <a:bodyPr rtlCol="0" anchor="ctr"/>
+          <a:p>
+            <a:pPr algn="ctr"/>
+            <a:endParaRPr lang="zh-CN" altLang="en-US"/>
+          </a:p>
+        </p:txBody>
+      </p:sp>
+      <p:sp>
+        <p:nvSpPr>
+          <p:cNvPr id="27" name="矩形 26"/>
+          <p:cNvSpPr/>
+          <p:nvPr/>
+        </p:nvSpPr>
+        <p:spPr>
+          <a:xfrm>
+            <a:off x="3890645" y="2834640"/>
+            <a:ext cx="1592580" cy="382270"/>
+          </a:xfrm>
+          <a:prstGeom prst="rect">
+            <a:avLst/>
+          </a:prstGeom>
+        </p:spPr>
+        <p:style>
+          <a:lnRef idx="2">
+            <a:schemeClr val="accent6"/>
+          </a:lnRef>
+          <a:fillRef idx="1">
+            <a:schemeClr val="lt1"/>
+          </a:fillRef>
+          <a:effectRef idx="0">
+            <a:schemeClr val="accent6"/>
+          </a:effectRef>
+          <a:fontRef idx="minor">
+            <a:schemeClr val="dk1"/>
+          </a:fontRef>
+        </p:style>
+        <p:txBody>
+          <a:bodyPr rtlCol="0" anchor="ctr"/>
+          <a:p>
+            <a:pPr algn="ctr"/>
+            <a:endParaRPr lang="zh-CN" altLang="en-US"/>
+          </a:p>
+        </p:txBody>
+      </p:sp>
+      <p:sp>
+        <p:nvSpPr>
+          <p:cNvPr id="28" name="矩形 27"/>
+          <p:cNvSpPr/>
+          <p:nvPr/>
+        </p:nvSpPr>
+        <p:spPr>
+          <a:xfrm>
+            <a:off x="5579745" y="2847340"/>
+            <a:ext cx="1592580" cy="382270"/>
+          </a:xfrm>
+          <a:prstGeom prst="rect">
+            <a:avLst/>
+          </a:prstGeom>
+        </p:spPr>
+        <p:style>
+          <a:lnRef idx="2">
+            <a:schemeClr val="accent6"/>
+          </a:lnRef>
+          <a:fillRef idx="1">
+            <a:schemeClr val="lt1"/>
+          </a:fillRef>
+          <a:effectRef idx="0">
+            <a:schemeClr val="accent6"/>
+          </a:effectRef>
+          <a:fontRef idx="minor">
+            <a:schemeClr val="dk1"/>
+          </a:fontRef>
+        </p:style>
+        <p:txBody>
+          <a:bodyPr rtlCol="0" anchor="ctr"/>
+          <a:p>
+            <a:pPr algn="ctr"/>
+            <a:endParaRPr lang="zh-CN" altLang="en-US"/>
+          </a:p>
+        </p:txBody>
+      </p:sp>
+      <p:sp>
+        <p:nvSpPr>
+          <p:cNvPr id="29" name="矩形 28"/>
+          <p:cNvSpPr/>
+          <p:nvPr/>
+        </p:nvSpPr>
+        <p:spPr>
+          <a:xfrm>
+            <a:off x="7230745" y="2847340"/>
+            <a:ext cx="1592580" cy="382270"/>
+          </a:xfrm>
+          <a:prstGeom prst="rect">
+            <a:avLst/>
+          </a:prstGeom>
+        </p:spPr>
+        <p:style>
+          <a:lnRef idx="2">
+            <a:schemeClr val="accent6"/>
+          </a:lnRef>
+          <a:fillRef idx="1">
+            <a:schemeClr val="lt1"/>
+          </a:fillRef>
+          <a:effectRef idx="0">
+            <a:schemeClr val="accent6"/>
+          </a:effectRef>
+          <a:fontRef idx="minor">
+            <a:schemeClr val="dk1"/>
+          </a:fontRef>
+        </p:style>
+        <p:txBody>
+          <a:bodyPr rtlCol="0" anchor="ctr"/>
+          <a:p>
+            <a:pPr algn="ctr"/>
+            <a:endParaRPr lang="zh-CN" altLang="en-US"/>
+          </a:p>
+        </p:txBody>
+      </p:sp>
+      <p:sp>
+        <p:nvSpPr>
+          <p:cNvPr id="30" name="文本框 29"/>
+          <p:cNvSpPr txBox="1"/>
+          <p:nvPr/>
+        </p:nvSpPr>
+        <p:spPr>
+          <a:xfrm>
+            <a:off x="3969385" y="2887345"/>
+            <a:ext cx="1435100" cy="365760"/>
+          </a:xfrm>
+          <a:prstGeom prst="rect">
+            <a:avLst/>
+          </a:prstGeom>
+          <a:noFill/>
+        </p:spPr>
+        <p:txBody>
+          <a:bodyPr wrap="square" rtlCol="0">
+            <a:spAutoFit/>
+          </a:bodyPr>
+          <a:p>
+            <a:r>
+              <a:rPr lang="zh-CN" altLang="en-US"/>
+              <a:t>菜名文本框</a:t>
+            </a:r>
+            <a:endParaRPr lang="zh-CN" altLang="en-US"/>
+          </a:p>
+        </p:txBody>
+      </p:sp>
+      <p:sp>
+        <p:nvSpPr>
+          <p:cNvPr id="31" name="文本框 30"/>
+          <p:cNvSpPr txBox="1"/>
+          <p:nvPr/>
+        </p:nvSpPr>
+        <p:spPr>
+          <a:xfrm>
+            <a:off x="5614670" y="2887345"/>
+            <a:ext cx="1513840" cy="365760"/>
+          </a:xfrm>
+          <a:prstGeom prst="rect">
+            <a:avLst/>
+          </a:prstGeom>
+          <a:noFill/>
+        </p:spPr>
+        <p:txBody>
+          <a:bodyPr wrap="square" rtlCol="0">
+            <a:spAutoFit/>
+          </a:bodyPr>
+          <a:p>
+            <a:r>
+              <a:rPr lang="zh-CN" altLang="en-US"/>
+              <a:t>星级下拉框</a:t>
+            </a:r>
+            <a:endParaRPr lang="zh-CN" altLang="en-US"/>
+          </a:p>
+        </p:txBody>
+      </p:sp>
+      <p:sp>
+        <p:nvSpPr>
+          <p:cNvPr id="32" name="文本框 31"/>
+          <p:cNvSpPr txBox="1"/>
+          <p:nvPr/>
+        </p:nvSpPr>
+        <p:spPr>
+          <a:xfrm>
+            <a:off x="7286625" y="2900680"/>
+            <a:ext cx="1500505" cy="365760"/>
+          </a:xfrm>
+          <a:prstGeom prst="rect">
+            <a:avLst/>
+          </a:prstGeom>
+          <a:noFill/>
+        </p:spPr>
+        <p:txBody>
+          <a:bodyPr wrap="square" rtlCol="0">
+            <a:spAutoFit/>
+          </a:bodyPr>
+          <a:p>
+            <a:r>
+              <a:rPr lang="zh-CN" altLang="en-US"/>
+              <a:t>价格下拉框</a:t>
+            </a:r>
+            <a:endParaRPr lang="zh-CN" altLang="en-US"/>
+          </a:p>
+        </p:txBody>
+      </p:sp>
+      <p:sp>
+        <p:nvSpPr>
+          <p:cNvPr id="33" name="矩形 32"/>
+          <p:cNvSpPr/>
+          <p:nvPr/>
+        </p:nvSpPr>
+        <p:spPr>
+          <a:xfrm>
+            <a:off x="8892540" y="2849245"/>
+            <a:ext cx="1263650" cy="354965"/>
+          </a:xfrm>
+          <a:prstGeom prst="rect">
+            <a:avLst/>
+          </a:prstGeom>
+        </p:spPr>
+        <p:style>
+          <a:lnRef idx="2">
+            <a:schemeClr val="accent1">
+              <a:shade val="50000"/>
+            </a:schemeClr>
+          </a:lnRef>
+          <a:fillRef idx="1">
+            <a:schemeClr val="accent1"/>
+          </a:fillRef>
+          <a:effectRef idx="0">
+            <a:schemeClr val="accent1"/>
+          </a:effectRef>
+          <a:fontRef idx="minor">
+            <a:schemeClr val="lt1"/>
+          </a:fontRef>
+        </p:style>
+        <p:txBody>
+          <a:bodyPr rtlCol="0" anchor="ctr"/>
+          <a:p>
+            <a:pPr algn="ctr"/>
+            <a:endParaRPr lang="zh-CN" altLang="en-US"/>
+          </a:p>
+        </p:txBody>
+      </p:sp>
+      <p:sp>
+        <p:nvSpPr>
+          <p:cNvPr id="35" name="文本框 34"/>
+          <p:cNvSpPr txBox="1"/>
+          <p:nvPr/>
+        </p:nvSpPr>
+        <p:spPr>
+          <a:xfrm>
+            <a:off x="8931910" y="2874645"/>
+            <a:ext cx="1145540" cy="365760"/>
+          </a:xfrm>
+          <a:prstGeom prst="rect">
+            <a:avLst/>
+          </a:prstGeom>
+          <a:noFill/>
+        </p:spPr>
+        <p:txBody>
+          <a:bodyPr wrap="square" rtlCol="0">
+            <a:spAutoFit/>
+          </a:bodyPr>
+          <a:p>
+            <a:r>
+              <a:rPr lang="zh-CN" altLang="en-US"/>
+              <a:t>搜索</a:t>
+            </a:r>
+            <a:endParaRPr lang="zh-CN" altLang="en-US"/>
+          </a:p>
+        </p:txBody>
+      </p:sp>
+      <p:sp>
+        <p:nvSpPr>
+          <p:cNvPr id="36" name="矩形 35"/>
+          <p:cNvSpPr/>
+          <p:nvPr/>
+        </p:nvSpPr>
+        <p:spPr>
+          <a:xfrm>
+            <a:off x="3905885" y="3324225"/>
+            <a:ext cx="6238875" cy="1421765"/>
+          </a:xfrm>
+          <a:prstGeom prst="rect">
+            <a:avLst/>
+          </a:prstGeom>
+        </p:spPr>
+        <p:style>
+          <a:lnRef idx="2">
+            <a:schemeClr val="accent6"/>
+          </a:lnRef>
+          <a:fillRef idx="1">
+            <a:schemeClr val="lt1"/>
+          </a:fillRef>
+          <a:effectRef idx="0">
+            <a:schemeClr val="accent6"/>
+          </a:effectRef>
+          <a:fontRef idx="minor">
+            <a:schemeClr val="dk1"/>
+          </a:fontRef>
+        </p:style>
+        <p:txBody>
+          <a:bodyPr rtlCol="0" anchor="ctr"/>
+          <a:p>
+            <a:pPr algn="ctr"/>
+            <a:endParaRPr lang="zh-CN" altLang="en-US"/>
+          </a:p>
+        </p:txBody>
+      </p:sp>
+      <p:sp>
+        <p:nvSpPr>
+          <p:cNvPr id="37" name="矩形 36"/>
+          <p:cNvSpPr/>
+          <p:nvPr/>
+        </p:nvSpPr>
+        <p:spPr>
+          <a:xfrm>
+            <a:off x="3956685" y="3401060"/>
+            <a:ext cx="1908175" cy="1276985"/>
+          </a:xfrm>
+          <a:prstGeom prst="rect">
+            <a:avLst/>
+          </a:prstGeom>
+        </p:spPr>
+        <p:style>
+          <a:lnRef idx="2">
+            <a:schemeClr val="accent6"/>
+          </a:lnRef>
+          <a:fillRef idx="1">
+            <a:schemeClr val="lt1"/>
+          </a:fillRef>
+          <a:effectRef idx="0">
+            <a:schemeClr val="accent6"/>
+          </a:effectRef>
+          <a:fontRef idx="minor">
+            <a:schemeClr val="dk1"/>
+          </a:fontRef>
+        </p:style>
+        <p:txBody>
+          <a:bodyPr rtlCol="0" anchor="ctr"/>
+          <a:p>
+            <a:pPr algn="ctr"/>
+            <a:endParaRPr lang="zh-CN" altLang="en-US"/>
+          </a:p>
+        </p:txBody>
+      </p:sp>
+      <p:sp>
+        <p:nvSpPr>
+          <p:cNvPr id="38" name="文本框 37"/>
+          <p:cNvSpPr txBox="1"/>
+          <p:nvPr/>
+        </p:nvSpPr>
+        <p:spPr>
+          <a:xfrm>
+            <a:off x="4048760" y="3545840"/>
+            <a:ext cx="1724025" cy="640080"/>
+          </a:xfrm>
+          <a:prstGeom prst="rect">
+            <a:avLst/>
+          </a:prstGeom>
+          <a:noFill/>
+        </p:spPr>
+        <p:txBody>
+          <a:bodyPr wrap="square" rtlCol="0">
+            <a:spAutoFit/>
+          </a:bodyPr>
+          <a:p>
+            <a:r>
+              <a:rPr lang="zh-CN" altLang="en-US"/>
+              <a:t>用于显示菜单的图片</a:t>
+            </a:r>
+            <a:endParaRPr lang="zh-CN" altLang="en-US"/>
+          </a:p>
+        </p:txBody>
+      </p:sp>
+      <p:sp>
+        <p:nvSpPr>
+          <p:cNvPr id="39" name="文本框 38"/>
+          <p:cNvSpPr txBox="1"/>
+          <p:nvPr/>
+        </p:nvSpPr>
+        <p:spPr>
+          <a:xfrm>
+            <a:off x="5904230" y="3414395"/>
+            <a:ext cx="1329690" cy="365760"/>
+          </a:xfrm>
+          <a:prstGeom prst="rect">
+            <a:avLst/>
+          </a:prstGeom>
+          <a:noFill/>
+        </p:spPr>
+        <p:txBody>
+          <a:bodyPr wrap="square" rtlCol="0">
+            <a:spAutoFit/>
+          </a:bodyPr>
+          <a:p>
+            <a:r>
+              <a:rPr lang="zh-CN" altLang="en-US"/>
+              <a:t>菜名</a:t>
+            </a:r>
+            <a:endParaRPr lang="zh-CN" altLang="en-US"/>
+          </a:p>
+        </p:txBody>
+      </p:sp>
+      <p:sp>
+        <p:nvSpPr>
+          <p:cNvPr id="40" name="文本框 39"/>
+          <p:cNvSpPr txBox="1"/>
+          <p:nvPr/>
+        </p:nvSpPr>
+        <p:spPr>
+          <a:xfrm>
+            <a:off x="7339330" y="3388995"/>
+            <a:ext cx="1329690" cy="365760"/>
+          </a:xfrm>
+          <a:prstGeom prst="rect">
+            <a:avLst/>
+          </a:prstGeom>
+          <a:noFill/>
+        </p:spPr>
+        <p:txBody>
+          <a:bodyPr wrap="square" rtlCol="0">
+            <a:spAutoFit/>
+          </a:bodyPr>
+          <a:p>
+            <a:r>
+              <a:rPr lang="zh-CN" altLang="en-US"/>
+              <a:t>好评率</a:t>
+            </a:r>
+            <a:endParaRPr lang="zh-CN" altLang="en-US"/>
+          </a:p>
+        </p:txBody>
+      </p:sp>
+      <p:sp>
+        <p:nvSpPr>
+          <p:cNvPr id="41" name="文本框 40"/>
+          <p:cNvSpPr txBox="1"/>
+          <p:nvPr/>
+        </p:nvSpPr>
+        <p:spPr>
+          <a:xfrm>
+            <a:off x="8749030" y="3376295"/>
+            <a:ext cx="1329690" cy="365760"/>
+          </a:xfrm>
+          <a:prstGeom prst="rect">
+            <a:avLst/>
+          </a:prstGeom>
+          <a:noFill/>
+        </p:spPr>
+        <p:txBody>
+          <a:bodyPr wrap="square" rtlCol="0">
+            <a:spAutoFit/>
+          </a:bodyPr>
+          <a:p>
+            <a:r>
+              <a:rPr lang="zh-CN" altLang="en-US"/>
+              <a:t>价格</a:t>
+            </a:r>
+            <a:endParaRPr lang="zh-CN" altLang="en-US"/>
+          </a:p>
+        </p:txBody>
+      </p:sp>
+      <p:sp>
+        <p:nvSpPr>
+          <p:cNvPr id="42" name="文本框 41"/>
+          <p:cNvSpPr txBox="1"/>
+          <p:nvPr/>
+        </p:nvSpPr>
+        <p:spPr>
+          <a:xfrm>
+            <a:off x="5917565" y="3940810"/>
+            <a:ext cx="4146550" cy="365760"/>
+          </a:xfrm>
+          <a:prstGeom prst="rect">
+            <a:avLst/>
+          </a:prstGeom>
+          <a:noFill/>
+        </p:spPr>
+        <p:txBody>
+          <a:bodyPr wrap="square" rtlCol="0">
+            <a:spAutoFit/>
+          </a:bodyPr>
+          <a:p>
+            <a:r>
+              <a:rPr lang="zh-CN" altLang="en-US"/>
+              <a:t>对应的菜单简介</a:t>
+            </a:r>
+            <a:endParaRPr lang="zh-CN" altLang="en-US"/>
+          </a:p>
+        </p:txBody>
+      </p:sp>
+      <p:sp>
+        <p:nvSpPr>
+          <p:cNvPr id="43" name="矩形 42"/>
+          <p:cNvSpPr/>
+          <p:nvPr/>
+        </p:nvSpPr>
+        <p:spPr>
+          <a:xfrm>
+            <a:off x="3905885" y="4810125"/>
+            <a:ext cx="6238875" cy="1421765"/>
+          </a:xfrm>
+          <a:prstGeom prst="rect">
+            <a:avLst/>
+          </a:prstGeom>
+        </p:spPr>
+        <p:style>
+          <a:lnRef idx="2">
+            <a:schemeClr val="accent6"/>
+          </a:lnRef>
+          <a:fillRef idx="1">
+            <a:schemeClr val="lt1"/>
+          </a:fillRef>
+          <a:effectRef idx="0">
+            <a:schemeClr val="accent6"/>
+          </a:effectRef>
+          <a:fontRef idx="minor">
+            <a:schemeClr val="dk1"/>
+          </a:fontRef>
+        </p:style>
+        <p:txBody>
+          <a:bodyPr rtlCol="0" anchor="ctr"/>
+          <a:p>
+            <a:pPr algn="ctr"/>
+            <a:endParaRPr lang="zh-CN" altLang="en-US"/>
+          </a:p>
+        </p:txBody>
+      </p:sp>
+      <p:sp>
+        <p:nvSpPr>
+          <p:cNvPr id="44" name="矩形 43"/>
+          <p:cNvSpPr/>
+          <p:nvPr/>
+        </p:nvSpPr>
+        <p:spPr>
+          <a:xfrm>
+            <a:off x="3956685" y="4886960"/>
+            <a:ext cx="1908175" cy="1276985"/>
+          </a:xfrm>
+          <a:prstGeom prst="rect">
+            <a:avLst/>
+          </a:prstGeom>
+        </p:spPr>
+        <p:style>
+          <a:lnRef idx="2">
+            <a:schemeClr val="accent6"/>
+          </a:lnRef>
+          <a:fillRef idx="1">
+            <a:schemeClr val="lt1"/>
+          </a:fillRef>
+          <a:effectRef idx="0">
+            <a:schemeClr val="accent6"/>
+          </a:effectRef>
+          <a:fontRef idx="minor">
+            <a:schemeClr val="dk1"/>
+          </a:fontRef>
+        </p:style>
+        <p:txBody>
+          <a:bodyPr rtlCol="0" anchor="ctr"/>
+          <a:p>
+            <a:pPr algn="ctr"/>
+            <a:endParaRPr lang="zh-CN" altLang="en-US"/>
+          </a:p>
+        </p:txBody>
+      </p:sp>
+      <p:sp>
+        <p:nvSpPr>
+          <p:cNvPr id="45" name="文本框 44"/>
+          <p:cNvSpPr txBox="1"/>
+          <p:nvPr/>
+        </p:nvSpPr>
+        <p:spPr>
+          <a:xfrm>
+            <a:off x="4048760" y="5031740"/>
+            <a:ext cx="1724025" cy="640080"/>
+          </a:xfrm>
+          <a:prstGeom prst="rect">
+            <a:avLst/>
+          </a:prstGeom>
+          <a:noFill/>
+        </p:spPr>
+        <p:txBody>
+          <a:bodyPr wrap="square" rtlCol="0">
+            <a:spAutoFit/>
+          </a:bodyPr>
+          <a:p>
+            <a:r>
+              <a:rPr lang="zh-CN" altLang="en-US"/>
+              <a:t>用于显示菜单的图片</a:t>
+            </a:r>
+            <a:endParaRPr lang="zh-CN" altLang="en-US"/>
+          </a:p>
+        </p:txBody>
+      </p:sp>
+      <p:sp>
+        <p:nvSpPr>
+          <p:cNvPr id="46" name="文本框 45"/>
+          <p:cNvSpPr txBox="1"/>
+          <p:nvPr/>
+        </p:nvSpPr>
+        <p:spPr>
+          <a:xfrm>
+            <a:off x="5904230" y="4900295"/>
+            <a:ext cx="1329690" cy="365760"/>
+          </a:xfrm>
+          <a:prstGeom prst="rect">
+            <a:avLst/>
+          </a:prstGeom>
+          <a:noFill/>
+        </p:spPr>
+        <p:txBody>
+          <a:bodyPr wrap="square" rtlCol="0">
+            <a:spAutoFit/>
+          </a:bodyPr>
+          <a:p>
+            <a:r>
+              <a:rPr lang="zh-CN" altLang="en-US"/>
+              <a:t>菜名</a:t>
+            </a:r>
+            <a:endParaRPr lang="zh-CN" altLang="en-US"/>
+          </a:p>
+        </p:txBody>
+      </p:sp>
+      <p:sp>
+        <p:nvSpPr>
+          <p:cNvPr id="47" name="文本框 46"/>
+          <p:cNvSpPr txBox="1"/>
+          <p:nvPr/>
+        </p:nvSpPr>
+        <p:spPr>
+          <a:xfrm>
+            <a:off x="7339330" y="4874895"/>
+            <a:ext cx="1329690" cy="365760"/>
+          </a:xfrm>
+          <a:prstGeom prst="rect">
+            <a:avLst/>
+          </a:prstGeom>
+          <a:noFill/>
+        </p:spPr>
+        <p:txBody>
+          <a:bodyPr wrap="square" rtlCol="0">
+            <a:spAutoFit/>
+          </a:bodyPr>
+          <a:p>
+            <a:r>
+              <a:rPr lang="zh-CN" altLang="en-US"/>
+              <a:t>好评率</a:t>
+            </a:r>
+            <a:endParaRPr lang="zh-CN" altLang="en-US"/>
+          </a:p>
+        </p:txBody>
+      </p:sp>
+      <p:sp>
+        <p:nvSpPr>
+          <p:cNvPr id="48" name="文本框 47"/>
+          <p:cNvSpPr txBox="1"/>
+          <p:nvPr/>
+        </p:nvSpPr>
+        <p:spPr>
+          <a:xfrm>
+            <a:off x="8749030" y="4862195"/>
+            <a:ext cx="1329690" cy="365760"/>
+          </a:xfrm>
+          <a:prstGeom prst="rect">
+            <a:avLst/>
+          </a:prstGeom>
+          <a:noFill/>
+        </p:spPr>
+        <p:txBody>
+          <a:bodyPr wrap="square" rtlCol="0">
+            <a:spAutoFit/>
+          </a:bodyPr>
+          <a:p>
+            <a:r>
+              <a:rPr lang="zh-CN" altLang="en-US"/>
+              <a:t>价格</a:t>
+            </a:r>
+            <a:endParaRPr lang="zh-CN" altLang="en-US"/>
+          </a:p>
+        </p:txBody>
+      </p:sp>
+      <p:sp>
+        <p:nvSpPr>
+          <p:cNvPr id="49" name="文本框 48"/>
+          <p:cNvSpPr txBox="1"/>
+          <p:nvPr/>
+        </p:nvSpPr>
+        <p:spPr>
+          <a:xfrm>
+            <a:off x="5917565" y="5426710"/>
+            <a:ext cx="4146550" cy="365760"/>
+          </a:xfrm>
+          <a:prstGeom prst="rect">
+            <a:avLst/>
+          </a:prstGeom>
+          <a:noFill/>
+        </p:spPr>
+        <p:txBody>
+          <a:bodyPr wrap="square" rtlCol="0">
+            <a:spAutoFit/>
+          </a:bodyPr>
+          <a:p>
+            <a:r>
+              <a:rPr lang="zh-CN" altLang="en-US"/>
+              <a:t>对应的菜单简介</a:t>
+            </a:r>
+            <a:endParaRPr lang="zh-CN" altLang="en-US"/>
+          </a:p>
+        </p:txBody>
+      </p:sp>
+      <p:sp>
+        <p:nvSpPr>
+          <p:cNvPr id="50" name="左箭头 49"/>
+          <p:cNvSpPr/>
+          <p:nvPr/>
+        </p:nvSpPr>
+        <p:spPr>
+          <a:xfrm>
+            <a:off x="10153650" y="3875405"/>
+            <a:ext cx="1158240" cy="487045"/>
+          </a:xfrm>
+          <a:prstGeom prst="leftArrow">
+            <a:avLst/>
+          </a:prstGeom>
+        </p:spPr>
+        <p:style>
+          <a:lnRef idx="2">
+            <a:schemeClr val="accent4">
+              <a:shade val="50000"/>
+            </a:schemeClr>
+          </a:lnRef>
+          <a:fillRef idx="1">
+            <a:schemeClr val="accent4"/>
+          </a:fillRef>
+          <a:effectRef idx="0">
+            <a:schemeClr val="accent4"/>
+          </a:effectRef>
+          <a:fontRef idx="minor">
+            <a:schemeClr val="lt1"/>
+          </a:fontRef>
+        </p:style>
+        <p:txBody>
+          <a:bodyPr rtlCol="0" anchor="ctr"/>
+          <a:p>
+            <a:pPr algn="ctr"/>
+            <a:endParaRPr lang="zh-CN" altLang="en-US"/>
+          </a:p>
+        </p:txBody>
+      </p:sp>
+      <p:sp>
+        <p:nvSpPr>
+          <p:cNvPr id="51" name="文本框 50"/>
+          <p:cNvSpPr txBox="1"/>
+          <p:nvPr/>
+        </p:nvSpPr>
+        <p:spPr>
+          <a:xfrm>
+            <a:off x="11489055" y="3072130"/>
+            <a:ext cx="457200" cy="2672080"/>
+          </a:xfrm>
+          <a:prstGeom prst="rect">
+            <a:avLst/>
+          </a:prstGeom>
+          <a:noFill/>
+        </p:spPr>
+        <p:txBody>
+          <a:bodyPr vert="eaVert" wrap="square" rtlCol="0">
+            <a:spAutoFit/>
+          </a:bodyPr>
+          <a:p>
+            <a:r>
+              <a:rPr lang="zh-CN" altLang="en-US"/>
+              <a:t>单击进入到对应详情页</a:t>
+            </a:r>
+            <a:endParaRPr lang="zh-CN" altLang="en-US"/>
+          </a:p>
+        </p:txBody>
+      </p:sp>
+      <p:sp>
+        <p:nvSpPr>
+          <p:cNvPr id="52" name="矩形 51"/>
+          <p:cNvSpPr/>
+          <p:nvPr/>
+        </p:nvSpPr>
+        <p:spPr>
+          <a:xfrm>
+            <a:off x="5970905" y="6292215"/>
+            <a:ext cx="4159885" cy="421005"/>
+          </a:xfrm>
+          <a:prstGeom prst="rect">
+            <a:avLst/>
+          </a:prstGeom>
+        </p:spPr>
+        <p:style>
+          <a:lnRef idx="2">
+            <a:schemeClr val="accent6"/>
+          </a:lnRef>
+          <a:fillRef idx="1">
+            <a:schemeClr val="lt1"/>
+          </a:fillRef>
+          <a:effectRef idx="0">
+            <a:schemeClr val="accent6"/>
+          </a:effectRef>
+          <a:fontRef idx="minor">
+            <a:schemeClr val="dk1"/>
+          </a:fontRef>
+        </p:style>
+        <p:txBody>
+          <a:bodyPr rtlCol="0" anchor="ctr"/>
+          <a:p>
+            <a:pPr algn="ctr"/>
+            <a:endParaRPr lang="zh-CN" altLang="en-US"/>
+          </a:p>
+        </p:txBody>
+      </p:sp>
+      <p:sp>
+        <p:nvSpPr>
+          <p:cNvPr id="53" name="文本框 52"/>
+          <p:cNvSpPr txBox="1"/>
+          <p:nvPr/>
+        </p:nvSpPr>
+        <p:spPr>
+          <a:xfrm>
+            <a:off x="6089015" y="6356985"/>
+            <a:ext cx="2329815" cy="365760"/>
+          </a:xfrm>
+          <a:prstGeom prst="rect">
+            <a:avLst/>
+          </a:prstGeom>
+          <a:noFill/>
+        </p:spPr>
+        <p:txBody>
+          <a:bodyPr wrap="square" rtlCol="0">
+            <a:spAutoFit/>
+          </a:bodyPr>
+          <a:p>
+            <a:r>
+              <a:rPr lang="zh-CN" altLang="en-US"/>
+              <a:t>分页链接</a:t>
+            </a:r>
+            <a:endParaRPr lang="zh-CN" altLang="en-US"/>
+          </a:p>
+        </p:txBody>
+      </p:sp>
     </p:spTree>
   </p:cSld>
   <p:clrMapOvr>
@@ -3154,14 +5063,14 @@
       <p:grpSpPr/>
       <p:sp>
         <p:nvSpPr>
-          <p:cNvPr id="4" name="矩形 3"/>
+          <p:cNvPr id="6" name="矩形 5"/>
           <p:cNvSpPr/>
           <p:nvPr/>
         </p:nvSpPr>
         <p:spPr>
           <a:xfrm>
-            <a:off x="2034540" y="38735"/>
-            <a:ext cx="8068945" cy="553085"/>
+            <a:off x="2034540" y="697230"/>
+            <a:ext cx="1908175" cy="1921510"/>
           </a:xfrm>
           <a:prstGeom prst="rect">
             <a:avLst/>
@@ -3191,14 +5100,14 @@
       </p:sp>
       <p:sp>
         <p:nvSpPr>
-          <p:cNvPr id="5" name="文本框 4"/>
+          <p:cNvPr id="7" name="文本框 6"/>
           <p:cNvSpPr txBox="1"/>
           <p:nvPr/>
         </p:nvSpPr>
         <p:spPr>
           <a:xfrm>
-            <a:off x="2337435" y="128905"/>
-            <a:ext cx="7476490" cy="365760"/>
+            <a:off x="2126615" y="802640"/>
+            <a:ext cx="1724025" cy="365760"/>
           </a:xfrm>
           <a:prstGeom prst="rect">
             <a:avLst/>
@@ -3210,25 +5119,24 @@
             <a:spAutoFit/>
           </a:bodyPr>
           <a:p>
-            <a:pPr algn="ctr"/>
             <a:r>
               <a:rPr lang="zh-CN" altLang="en-US"/>
-              <a:t>显示当前的排队人数</a:t>
-            </a:r>
-            <a:endParaRPr lang="zh-CN" altLang="en-US"/>
-          </a:p>
-        </p:txBody>
-      </p:sp>
-      <p:sp>
-        <p:nvSpPr>
-          <p:cNvPr id="6" name="矩形 5"/>
+              <a:t>图片展示</a:t>
+            </a:r>
+            <a:endParaRPr lang="zh-CN" altLang="en-US"/>
+          </a:p>
+        </p:txBody>
+      </p:sp>
+      <p:sp>
+        <p:nvSpPr>
+          <p:cNvPr id="8" name="矩形 7"/>
           <p:cNvSpPr/>
           <p:nvPr/>
         </p:nvSpPr>
         <p:spPr>
           <a:xfrm>
-            <a:off x="2034540" y="697230"/>
-            <a:ext cx="1908175" cy="1921510"/>
+            <a:off x="4035425" y="697865"/>
+            <a:ext cx="6068060" cy="1934845"/>
           </a:xfrm>
           <a:prstGeom prst="rect">
             <a:avLst/>
@@ -3258,14 +5166,14 @@
       </p:sp>
       <p:sp>
         <p:nvSpPr>
-          <p:cNvPr id="7" name="文本框 6"/>
+          <p:cNvPr id="9" name="文本框 8"/>
           <p:cNvSpPr txBox="1"/>
           <p:nvPr/>
         </p:nvSpPr>
         <p:spPr>
           <a:xfrm>
-            <a:off x="2126615" y="802640"/>
-            <a:ext cx="1724025" cy="365760"/>
+            <a:off x="4127500" y="802640"/>
+            <a:ext cx="5844540" cy="1463040"/>
           </a:xfrm>
           <a:prstGeom prst="rect">
             <a:avLst/>
@@ -3279,22 +5187,102 @@
           <a:p>
             <a:r>
               <a:rPr lang="zh-CN" altLang="en-US"/>
-              <a:t>图片展示</a:t>
-            </a:r>
-            <a:endParaRPr lang="zh-CN" altLang="en-US"/>
-          </a:p>
-        </p:txBody>
-      </p:sp>
-      <p:sp>
-        <p:nvSpPr>
-          <p:cNvPr id="8" name="矩形 7"/>
+              <a:t>菜名</a:t>
+            </a:r>
+            <a:r>
+              <a:rPr lang="en-US" altLang="zh-CN"/>
+              <a:t>		</a:t>
+            </a:r>
+            <a:r>
+              <a:rPr lang="zh-CN" altLang="en-US"/>
+              <a:t>好评率</a:t>
+            </a:r>
+            <a:r>
+              <a:rPr lang="en-US" altLang="zh-CN"/>
+              <a:t>			</a:t>
+            </a:r>
+            <a:r>
+              <a:rPr lang="zh-CN" altLang="en-US"/>
+              <a:t>价格</a:t>
+            </a:r>
+            <a:endParaRPr lang="zh-CN" altLang="en-US"/>
+          </a:p>
+          <a:p>
+            <a:r>
+              <a:rPr lang="zh-CN" altLang="en-US"/>
+              <a:t>下单参数：</a:t>
+            </a:r>
+            <a:endParaRPr lang="zh-CN" altLang="en-US"/>
+          </a:p>
+          <a:p>
+            <a:r>
+              <a:rPr lang="en-US" altLang="zh-CN"/>
+              <a:t>        (1)</a:t>
+            </a:r>
+            <a:r>
+              <a:rPr lang="zh-CN" altLang="en-US"/>
+              <a:t>是否放辣椒；</a:t>
+            </a:r>
+            <a:r>
+              <a:rPr lang="en-US" altLang="zh-CN"/>
+              <a:t>(2)</a:t>
+            </a:r>
+            <a:r>
+              <a:rPr lang="zh-CN" altLang="en-US"/>
+              <a:t>是否打包带走；</a:t>
+            </a:r>
+            <a:r>
+              <a:rPr lang="en-US" altLang="zh-CN"/>
+              <a:t>(3)</a:t>
+            </a:r>
+            <a:r>
+              <a:rPr lang="zh-CN" altLang="en-US"/>
+              <a:t>支付方式</a:t>
+            </a:r>
+            <a:endParaRPr lang="zh-CN" altLang="en-US"/>
+          </a:p>
+          <a:p>
+            <a:r>
+              <a:rPr lang="en-US" altLang="zh-CN"/>
+              <a:t>	</a:t>
+            </a:r>
+            <a:endParaRPr lang="en-US" altLang="zh-CN"/>
+          </a:p>
+          <a:p>
+            <a:r>
+              <a:rPr lang="en-US" altLang="zh-CN"/>
+              <a:t>	</a:t>
+            </a:r>
+            <a:r>
+              <a:rPr lang="zh-CN" altLang="en-US"/>
+              <a:t>下单按钮</a:t>
+            </a:r>
+            <a:r>
+              <a:rPr lang="en-US" altLang="zh-CN"/>
+              <a:t>(</a:t>
+            </a:r>
+            <a:r>
+              <a:rPr lang="zh-CN" altLang="en-US"/>
+              <a:t>左边的图片展示变成支付二维码</a:t>
+            </a:r>
+            <a:r>
+              <a:rPr lang="en-US" altLang="zh-CN"/>
+              <a:t>)</a:t>
+            </a:r>
+            <a:endParaRPr lang="en-US" altLang="zh-CN"/>
+          </a:p>
+        </p:txBody>
+      </p:sp>
+      <p:sp>
+        <p:nvSpPr>
+          <p:cNvPr id="10" name="矩形 9"/>
           <p:cNvSpPr/>
           <p:nvPr/>
         </p:nvSpPr>
         <p:spPr>
           <a:xfrm>
-            <a:off x="4035425" y="697865"/>
-            <a:ext cx="6068060" cy="1934845"/>
+            <a:off x="2047240" y="4170680"/>
+            <a:ext cx="8069580" cy="2527300"/>
           </a:xfrm>
           <a:prstGeom prst="rect">
             <a:avLst/>
@@ -3324,14 +5312,14 @@
       </p:sp>
       <p:sp>
         <p:nvSpPr>
-          <p:cNvPr id="9" name="文本框 8"/>
+          <p:cNvPr id="11" name="文本框 10"/>
           <p:cNvSpPr txBox="1"/>
           <p:nvPr/>
         </p:nvSpPr>
         <p:spPr>
           <a:xfrm>
-            <a:off x="4127500" y="802640"/>
-            <a:ext cx="5844540" cy="1465580"/>
+            <a:off x="2205355" y="4392295"/>
+            <a:ext cx="7753350" cy="365760"/>
           </a:xfrm>
           <a:prstGeom prst="rect">
             <a:avLst/>
@@ -3344,119 +5332,52 @@
           </a:bodyPr>
           <a:p>
             <a:r>
-              <a:rPr lang="en-US" altLang="zh-CN"/>
-              <a:t>1</a:t>
-            </a:r>
-            <a:r>
               <a:rPr lang="zh-CN" altLang="en-US"/>
-              <a:t>、菜名、好评率</a:t>
-            </a:r>
-            <a:endParaRPr lang="zh-CN" altLang="en-US"/>
-          </a:p>
-          <a:p>
-            <a:r>
-              <a:rPr lang="en-US" altLang="zh-CN"/>
-              <a:t>2</a:t>
-            </a:r>
-            <a:r>
-              <a:rPr lang="zh-CN" altLang="en-US"/>
-              <a:t>、价格</a:t>
-            </a:r>
-            <a:r>
-              <a:rPr lang="en-US" altLang="zh-CN"/>
-              <a:t>(</a:t>
-            </a:r>
-            <a:r>
-              <a:rPr lang="zh-CN" altLang="en-US"/>
-              <a:t>原价、打折价</a:t>
-            </a:r>
-            <a:r>
-              <a:rPr lang="en-US" altLang="zh-CN"/>
-              <a:t>)</a:t>
-            </a:r>
-            <a:endParaRPr lang="en-US" altLang="zh-CN"/>
-          </a:p>
-          <a:p>
-            <a:r>
-              <a:rPr lang="en-US" altLang="zh-CN"/>
-              <a:t>3</a:t>
-            </a:r>
-            <a:r>
-              <a:rPr lang="zh-CN" altLang="en-US"/>
-              <a:t>、下单参数：</a:t>
-            </a:r>
-            <a:endParaRPr lang="zh-CN" altLang="en-US"/>
-          </a:p>
-          <a:p>
-            <a:r>
-              <a:rPr lang="en-US" altLang="zh-CN"/>
-              <a:t>4</a:t>
-            </a:r>
-            <a:r>
-              <a:rPr lang="zh-CN" altLang="en-US"/>
-              <a:t>、</a:t>
-            </a:r>
-            <a:r>
-              <a:rPr lang="en-US" altLang="zh-CN"/>
-              <a:t>(1)</a:t>
-            </a:r>
-            <a:r>
-              <a:rPr lang="zh-CN" altLang="en-US"/>
-              <a:t>是否放辣椒；</a:t>
-            </a:r>
-            <a:r>
-              <a:rPr lang="en-US" altLang="zh-CN"/>
-              <a:t>(2)</a:t>
-            </a:r>
-            <a:r>
-              <a:rPr lang="zh-CN" altLang="en-US"/>
-              <a:t>是否打包带走；</a:t>
-            </a:r>
-            <a:r>
-              <a:rPr lang="en-US" altLang="zh-CN"/>
-              <a:t>(3)</a:t>
-            </a:r>
-            <a:r>
-              <a:rPr lang="zh-CN" altLang="en-US"/>
-              <a:t>支付方式</a:t>
-            </a:r>
-            <a:endParaRPr lang="zh-CN" altLang="en-US"/>
-          </a:p>
-          <a:p>
-            <a:r>
-              <a:rPr lang="en-US" altLang="zh-CN"/>
-              <a:t>5</a:t>
-            </a:r>
-            <a:r>
-              <a:rPr lang="zh-CN" altLang="en-US"/>
-              <a:t>、下单按钮</a:t>
-            </a:r>
-            <a:r>
-              <a:rPr lang="en-US" altLang="zh-CN"/>
-              <a:t>(</a:t>
-            </a:r>
-            <a:r>
-              <a:rPr lang="zh-CN" altLang="en-US"/>
-              <a:t>左边的图片展示变成支付二维码</a:t>
-            </a:r>
-            <a:r>
-              <a:rPr lang="en-US" altLang="zh-CN"/>
-              <a:t>)</a:t>
-            </a:r>
-            <a:endParaRPr lang="en-US" altLang="zh-CN"/>
-          </a:p>
-        </p:txBody>
-      </p:sp>
-      <p:sp>
-        <p:nvSpPr>
-          <p:cNvPr id="10" name="矩形 9"/>
+              <a:t>评论列表</a:t>
+            </a:r>
+            <a:endParaRPr lang="zh-CN" altLang="en-US"/>
+          </a:p>
+        </p:txBody>
+      </p:sp>
+      <p:sp>
+        <p:nvSpPr>
+          <p:cNvPr id="14" name="文本框 13"/>
+          <p:cNvSpPr txBox="1"/>
+          <p:nvPr/>
+        </p:nvSpPr>
+        <p:spPr>
+          <a:xfrm>
+            <a:off x="825500" y="275590"/>
+            <a:ext cx="853440" cy="5647055"/>
+          </a:xfrm>
+          <a:prstGeom prst="rect">
+            <a:avLst/>
+          </a:prstGeom>
+          <a:noFill/>
+        </p:spPr>
+        <p:txBody>
+          <a:bodyPr vert="eaVert" wrap="square" rtlCol="0">
+            <a:spAutoFit/>
+          </a:bodyPr>
+          <a:p>
+            <a:r>
+              <a:rPr lang="zh-CN" altLang="en-US" sz="4400" b="1"/>
+              <a:t>菜单详情页</a:t>
+            </a:r>
+            <a:endParaRPr lang="zh-CN" altLang="en-US" sz="4400" b="1"/>
+          </a:p>
+        </p:txBody>
+      </p:sp>
+      <p:sp>
+        <p:nvSpPr>
+          <p:cNvPr id="2" name="矩形 1"/>
           <p:cNvSpPr/>
           <p:nvPr/>
         </p:nvSpPr>
         <p:spPr>
           <a:xfrm>
-            <a:off x="2047240" y="4170680"/>
-            <a:ext cx="8069580" cy="2527300"/>
+            <a:off x="2199005" y="4738370"/>
+            <a:ext cx="7753350" cy="1461135"/>
           </a:xfrm>
           <a:prstGeom prst="rect">
             <a:avLst/>
@@ -3486,43 +5407,14 @@
       </p:sp>
       <p:sp>
         <p:nvSpPr>
-          <p:cNvPr id="11" name="文本框 10"/>
-          <p:cNvSpPr txBox="1"/>
-          <p:nvPr/>
-        </p:nvSpPr>
-        <p:spPr>
-          <a:xfrm>
-            <a:off x="2205355" y="4392295"/>
-            <a:ext cx="7753350" cy="365760"/>
-          </a:xfrm>
-          <a:prstGeom prst="rect">
-            <a:avLst/>
-          </a:prstGeom>
-          <a:noFill/>
-        </p:spPr>
-        <p:txBody>
-          <a:bodyPr wrap="square" rtlCol="0">
-            <a:spAutoFit/>
-          </a:bodyPr>
-          <a:p>
-            <a:r>
-              <a:rPr lang="zh-CN" altLang="en-US"/>
-              <a:t>评论列表</a:t>
-            </a:r>
-            <a:endParaRPr lang="zh-CN" altLang="en-US"/>
-          </a:p>
-        </p:txBody>
-      </p:sp>
-      <p:sp>
-        <p:nvSpPr>
-          <p:cNvPr id="12" name="矩形 11"/>
+          <p:cNvPr id="19" name="矩形 18"/>
           <p:cNvSpPr/>
           <p:nvPr/>
         </p:nvSpPr>
         <p:spPr>
           <a:xfrm>
-            <a:off x="2034540" y="2684780"/>
-            <a:ext cx="8042275" cy="1421765"/>
+            <a:off x="2409825" y="4791075"/>
+            <a:ext cx="7305675" cy="447040"/>
           </a:xfrm>
           <a:prstGeom prst="rect">
             <a:avLst/>
@@ -3552,14 +5444,14 @@
       </p:sp>
       <p:sp>
         <p:nvSpPr>
-          <p:cNvPr id="13" name="文本框 12"/>
+          <p:cNvPr id="3" name="文本框 2"/>
           <p:cNvSpPr txBox="1"/>
           <p:nvPr/>
         </p:nvSpPr>
         <p:spPr>
           <a:xfrm>
-            <a:off x="2205355" y="2882265"/>
-            <a:ext cx="7673975" cy="368300"/>
+            <a:off x="2330450" y="4843780"/>
+            <a:ext cx="7463790" cy="365760"/>
           </a:xfrm>
           <a:prstGeom prst="rect">
             <a:avLst/>
@@ -3573,63 +5465,38 @@
           <a:p>
             <a:r>
               <a:rPr lang="zh-CN" altLang="en-US"/>
-              <a:t>简介</a:t>
+              <a:t>评论者姓名</a:t>
             </a:r>
             <a:r>
               <a:rPr lang="en-US" altLang="zh-CN"/>
-              <a:t>(</a:t>
+              <a:t>		</a:t>
             </a:r>
             <a:r>
               <a:rPr lang="zh-CN" altLang="en-US"/>
-              <a:t>包括食材、所属菜系等等</a:t>
+              <a:t>评论星级</a:t>
             </a:r>
             <a:r>
               <a:rPr lang="en-US" altLang="zh-CN"/>
-              <a:t>)</a:t>
-            </a:r>
-            <a:endParaRPr lang="en-US" altLang="zh-CN"/>
-          </a:p>
-        </p:txBody>
-      </p:sp>
-      <p:sp>
-        <p:nvSpPr>
-          <p:cNvPr id="14" name="文本框 13"/>
-          <p:cNvSpPr txBox="1"/>
-          <p:nvPr/>
-        </p:nvSpPr>
-        <p:spPr>
-          <a:xfrm>
-            <a:off x="825500" y="275590"/>
-            <a:ext cx="853440" cy="5647055"/>
-          </a:xfrm>
-          <a:prstGeom prst="rect">
-            <a:avLst/>
-          </a:prstGeom>
-          <a:noFill/>
-        </p:spPr>
-        <p:txBody>
-          <a:bodyPr vert="eaVert" wrap="square" rtlCol="0">
-            <a:spAutoFit/>
-          </a:bodyPr>
-          <a:p>
-            <a:r>
-              <a:rPr lang="zh-CN" altLang="en-US" sz="4400" b="1"/>
-              <a:t>菜单详情页</a:t>
-            </a:r>
-            <a:endParaRPr lang="zh-CN" altLang="en-US" sz="4400" b="1"/>
-          </a:p>
-        </p:txBody>
-      </p:sp>
-      <p:sp>
-        <p:nvSpPr>
-          <p:cNvPr id="15" name="矩形 14"/>
+              <a:t>		</a:t>
+            </a:r>
+            <a:r>
+              <a:rPr lang="zh-CN" altLang="en-US"/>
+              <a:t>评论时间</a:t>
+            </a:r>
+            <a:endParaRPr lang="zh-CN" altLang="en-US"/>
+          </a:p>
+        </p:txBody>
+      </p:sp>
+      <p:sp>
+        <p:nvSpPr>
+          <p:cNvPr id="18" name="矩形 17"/>
           <p:cNvSpPr/>
           <p:nvPr/>
         </p:nvSpPr>
         <p:spPr>
           <a:xfrm>
-            <a:off x="8708390" y="78740"/>
-            <a:ext cx="1039495" cy="460375"/>
+            <a:off x="2422525" y="5343525"/>
+            <a:ext cx="7279640" cy="750570"/>
           </a:xfrm>
           <a:prstGeom prst="rect">
             <a:avLst/>
@@ -3659,14 +5526,14 @@
       </p:sp>
       <p:sp>
         <p:nvSpPr>
-          <p:cNvPr id="16" name="文本框 15"/>
+          <p:cNvPr id="17" name="文本框 16"/>
           <p:cNvSpPr txBox="1"/>
           <p:nvPr/>
         </p:nvSpPr>
         <p:spPr>
           <a:xfrm>
-            <a:off x="8684895" y="118110"/>
-            <a:ext cx="1276350" cy="365760"/>
+            <a:off x="2357120" y="5343525"/>
+            <a:ext cx="7377430" cy="365760"/>
           </a:xfrm>
           <a:prstGeom prst="rect">
             <a:avLst/>
@@ -3680,22 +5547,22 @@
           <a:p>
             <a:r>
               <a:rPr lang="zh-CN" altLang="en-US"/>
-              <a:t>回到首页</a:t>
-            </a:r>
-            <a:endParaRPr lang="zh-CN" altLang="en-US"/>
-          </a:p>
-        </p:txBody>
-      </p:sp>
-      <p:sp>
-        <p:nvSpPr>
-          <p:cNvPr id="2" name="矩形 1"/>
+              <a:t>评论描述</a:t>
+            </a:r>
+            <a:endParaRPr lang="zh-CN" altLang="en-US"/>
+          </a:p>
+        </p:txBody>
+      </p:sp>
+      <p:sp>
+        <p:nvSpPr>
+          <p:cNvPr id="24" name="矩形 23"/>
           <p:cNvSpPr/>
           <p:nvPr/>
         </p:nvSpPr>
         <p:spPr>
           <a:xfrm>
-            <a:off x="2199005" y="4738370"/>
-            <a:ext cx="7753350" cy="1461135"/>
+            <a:off x="1998345" y="108585"/>
+            <a:ext cx="6396990" cy="460375"/>
           </a:xfrm>
           <a:prstGeom prst="rect">
             <a:avLst/>
@@ -3725,14 +5592,127 @@
       </p:sp>
       <p:sp>
         <p:nvSpPr>
-          <p:cNvPr id="19" name="矩形 18"/>
+          <p:cNvPr id="25" name="文本框 24"/>
+          <p:cNvSpPr txBox="1"/>
+          <p:nvPr/>
+        </p:nvSpPr>
+        <p:spPr>
+          <a:xfrm>
+            <a:off x="2103755" y="161290"/>
+            <a:ext cx="6173470" cy="368300"/>
+          </a:xfrm>
+          <a:prstGeom prst="rect">
+            <a:avLst/>
+          </a:prstGeom>
+          <a:noFill/>
+        </p:spPr>
+        <p:txBody>
+          <a:bodyPr wrap="square" rtlCol="0">
+            <a:spAutoFit/>
+          </a:bodyPr>
+          <a:p>
+            <a:r>
+              <a:rPr lang="zh-CN" altLang="en-US"/>
+              <a:t>您前面还有</a:t>
+            </a:r>
+            <a:r>
+              <a:rPr lang="en-US" altLang="zh-CN"/>
+              <a:t>2</a:t>
+            </a:r>
+            <a:r>
+              <a:rPr lang="zh-CN" altLang="en-US"/>
+              <a:t>位顾客在排队，预计</a:t>
+            </a:r>
+            <a:r>
+              <a:rPr lang="en-US" altLang="zh-CN"/>
+              <a:t>10</a:t>
+            </a:r>
+            <a:r>
+              <a:rPr lang="zh-CN" altLang="en-US"/>
+              <a:t>分后上菜，请耐心等待。</a:t>
+            </a:r>
+            <a:endParaRPr lang="zh-CN" altLang="en-US"/>
+          </a:p>
+        </p:txBody>
+      </p:sp>
+      <p:sp>
+        <p:nvSpPr>
+          <p:cNvPr id="26" name="矩形 25"/>
           <p:cNvSpPr/>
           <p:nvPr/>
         </p:nvSpPr>
         <p:spPr>
           <a:xfrm>
-            <a:off x="2409825" y="4791075"/>
-            <a:ext cx="7305675" cy="447040"/>
+            <a:off x="8474710" y="121920"/>
+            <a:ext cx="1645285" cy="434340"/>
+          </a:xfrm>
+          <a:prstGeom prst="rect">
+            <a:avLst/>
+          </a:prstGeom>
+        </p:spPr>
+        <p:style>
+          <a:lnRef idx="2">
+            <a:schemeClr val="accent1">
+              <a:shade val="50000"/>
+            </a:schemeClr>
+          </a:lnRef>
+          <a:fillRef idx="1">
+            <a:schemeClr val="accent1"/>
+          </a:fillRef>
+          <a:effectRef idx="0">
+            <a:schemeClr val="accent1"/>
+          </a:effectRef>
+          <a:fontRef idx="minor">
+            <a:schemeClr val="lt1"/>
+          </a:fontRef>
+        </p:style>
+        <p:txBody>
+          <a:bodyPr rtlCol="0" anchor="ctr"/>
+          <a:p>
+            <a:pPr algn="ctr"/>
+            <a:endParaRPr lang="zh-CN" altLang="en-US"/>
+          </a:p>
+        </p:txBody>
+      </p:sp>
+      <p:sp>
+        <p:nvSpPr>
+          <p:cNvPr id="27" name="文本框 26"/>
+          <p:cNvSpPr txBox="1"/>
+          <p:nvPr/>
+        </p:nvSpPr>
+        <p:spPr>
+          <a:xfrm>
+            <a:off x="8566785" y="161290"/>
+            <a:ext cx="1447800" cy="365760"/>
+          </a:xfrm>
+          <a:prstGeom prst="rect">
+            <a:avLst/>
+          </a:prstGeom>
+          <a:noFill/>
+        </p:spPr>
+        <p:txBody>
+          <a:bodyPr wrap="square" rtlCol="0">
+            <a:spAutoFit/>
+          </a:bodyPr>
+          <a:p>
+            <a:r>
+              <a:rPr lang="zh-CN" altLang="en-US"/>
+              <a:t>首页</a:t>
+            </a:r>
+            <a:endParaRPr lang="zh-CN" altLang="en-US"/>
+          </a:p>
+        </p:txBody>
+      </p:sp>
+      <p:sp>
+        <p:nvSpPr>
+          <p:cNvPr id="28" name="矩形 27"/>
+          <p:cNvSpPr/>
+          <p:nvPr/>
+        </p:nvSpPr>
+        <p:spPr>
+          <a:xfrm>
+            <a:off x="2045970" y="2728595"/>
+            <a:ext cx="8074660" cy="1360805"/>
           </a:xfrm>
           <a:prstGeom prst="rect">
             <a:avLst/>
@@ -3762,14 +5742,14 @@
       </p:sp>
       <p:sp>
         <p:nvSpPr>
-          <p:cNvPr id="3" name="文本框 2"/>
+          <p:cNvPr id="29" name="文本框 28"/>
           <p:cNvSpPr txBox="1"/>
           <p:nvPr/>
         </p:nvSpPr>
         <p:spPr>
           <a:xfrm>
-            <a:off x="2330450" y="4843780"/>
-            <a:ext cx="7463790" cy="365760"/>
+            <a:off x="4942205" y="2792095"/>
+            <a:ext cx="2138045" cy="365760"/>
           </a:xfrm>
           <a:prstGeom prst="rect">
             <a:avLst/>
@@ -3783,75 +5763,22 @@
           <a:p>
             <a:r>
               <a:rPr lang="zh-CN" altLang="en-US"/>
-              <a:t>评论者姓名</a:t>
-            </a:r>
-            <a:r>
-              <a:rPr lang="en-US" altLang="zh-CN"/>
-              <a:t>		</a:t>
-            </a:r>
-            <a:r>
-              <a:rPr lang="zh-CN" altLang="en-US"/>
-              <a:t>评论星级</a:t>
-            </a:r>
-            <a:r>
-              <a:rPr lang="en-US" altLang="zh-CN"/>
-              <a:t>		</a:t>
-            </a:r>
-            <a:r>
-              <a:rPr lang="zh-CN" altLang="en-US"/>
-              <a:t>评论时间</a:t>
-            </a:r>
-            <a:endParaRPr lang="zh-CN" altLang="en-US"/>
-          </a:p>
-        </p:txBody>
-      </p:sp>
-      <p:sp>
-        <p:nvSpPr>
-          <p:cNvPr id="18" name="矩形 17"/>
-          <p:cNvSpPr/>
-          <p:nvPr/>
-        </p:nvSpPr>
-        <p:spPr>
-          <a:xfrm>
-            <a:off x="2422525" y="5343525"/>
-            <a:ext cx="7279640" cy="750570"/>
-          </a:xfrm>
-          <a:prstGeom prst="rect">
-            <a:avLst/>
-          </a:prstGeom>
-        </p:spPr>
-        <p:style>
-          <a:lnRef idx="2">
-            <a:schemeClr val="accent6"/>
-          </a:lnRef>
-          <a:fillRef idx="1">
-            <a:schemeClr val="lt1"/>
-          </a:fillRef>
-          <a:effectRef idx="0">
-            <a:schemeClr val="accent6"/>
-          </a:effectRef>
-          <a:fontRef idx="minor">
-            <a:schemeClr val="dk1"/>
-          </a:fontRef>
-        </p:style>
-        <p:txBody>
-          <a:bodyPr rtlCol="0" anchor="ctr"/>
-          <a:p>
-            <a:pPr algn="ctr"/>
-            <a:endParaRPr lang="zh-CN" altLang="en-US"/>
-          </a:p>
-        </p:txBody>
-      </p:sp>
-      <p:sp>
-        <p:nvSpPr>
-          <p:cNvPr id="17" name="文本框 16"/>
+              <a:t>主要食材</a:t>
+            </a:r>
+            <a:endParaRPr lang="zh-CN" altLang="en-US"/>
+          </a:p>
+        </p:txBody>
+      </p:sp>
+      <p:sp>
+        <p:nvSpPr>
+          <p:cNvPr id="30" name="文本框 29"/>
           <p:cNvSpPr txBox="1"/>
           <p:nvPr/>
         </p:nvSpPr>
         <p:spPr>
           <a:xfrm>
-            <a:off x="2357120" y="5343525"/>
-            <a:ext cx="7377430" cy="365760"/>
+            <a:off x="2282825" y="3136900"/>
+            <a:ext cx="7581900" cy="368300"/>
           </a:xfrm>
           <a:prstGeom prst="rect">
             <a:avLst/>
@@ -3865,9 +5792,75 @@
           <a:p>
             <a:r>
               <a:rPr lang="zh-CN" altLang="en-US"/>
-              <a:t>评论描述</a:t>
-            </a:r>
-            <a:endParaRPr lang="zh-CN" altLang="en-US"/>
+              <a:t>食材内容</a:t>
+            </a:r>
+            <a:r>
+              <a:rPr lang="en-US" altLang="zh-CN"/>
+              <a:t>……</a:t>
+            </a:r>
+            <a:endParaRPr lang="en-US" altLang="zh-CN"/>
+          </a:p>
+        </p:txBody>
+      </p:sp>
+      <p:sp>
+        <p:nvSpPr>
+          <p:cNvPr id="31" name="文本框 30"/>
+          <p:cNvSpPr txBox="1"/>
+          <p:nvPr/>
+        </p:nvSpPr>
+        <p:spPr>
+          <a:xfrm>
+            <a:off x="4954905" y="3363595"/>
+            <a:ext cx="2138045" cy="365760"/>
+          </a:xfrm>
+          <a:prstGeom prst="rect">
+            <a:avLst/>
+          </a:prstGeom>
+          <a:noFill/>
+        </p:spPr>
+        <p:txBody>
+          <a:bodyPr wrap="square" rtlCol="0">
+            <a:spAutoFit/>
+          </a:bodyPr>
+          <a:p>
+            <a:r>
+              <a:rPr lang="zh-CN" altLang="en-US"/>
+              <a:t>所属菜系</a:t>
+            </a:r>
+            <a:endParaRPr lang="zh-CN" altLang="en-US"/>
+          </a:p>
+        </p:txBody>
+      </p:sp>
+      <p:sp>
+        <p:nvSpPr>
+          <p:cNvPr id="32" name="文本框 31"/>
+          <p:cNvSpPr txBox="1"/>
+          <p:nvPr/>
+        </p:nvSpPr>
+        <p:spPr>
+          <a:xfrm>
+            <a:off x="2295525" y="3708400"/>
+            <a:ext cx="7581900" cy="368300"/>
+          </a:xfrm>
+          <a:prstGeom prst="rect">
+            <a:avLst/>
+          </a:prstGeom>
+          <a:noFill/>
+        </p:spPr>
+        <p:txBody>
+          <a:bodyPr wrap="square" rtlCol="0">
+            <a:spAutoFit/>
+          </a:bodyPr>
+          <a:p>
+            <a:r>
+              <a:rPr lang="zh-CN" altLang="en-US"/>
+              <a:t>菜系简介</a:t>
+            </a:r>
+            <a:r>
+              <a:rPr lang="en-US" altLang="zh-CN"/>
+              <a:t>……</a:t>
+            </a:r>
+            <a:endParaRPr lang="en-US" altLang="zh-CN"/>
           </a:p>
         </p:txBody>
       </p:sp>
@@ -3889,139 +5882,6 @@
         <p:nvPr/>
       </p:nvGrpSpPr>
       <p:grpSpPr/>
-      <p:sp>
-        <p:nvSpPr>
-          <p:cNvPr id="5" name="矩形 4"/>
-          <p:cNvSpPr/>
-          <p:nvPr/>
-        </p:nvSpPr>
-        <p:spPr>
-          <a:xfrm>
-            <a:off x="2136140" y="165735"/>
-            <a:ext cx="8068945" cy="553085"/>
-          </a:xfrm>
-          <a:prstGeom prst="rect">
-            <a:avLst/>
-          </a:prstGeom>
-        </p:spPr>
-        <p:style>
-          <a:lnRef idx="2">
-            <a:schemeClr val="accent6"/>
-          </a:lnRef>
-          <a:fillRef idx="1">
-            <a:schemeClr val="lt1"/>
-          </a:fillRef>
-          <a:effectRef idx="0">
-            <a:schemeClr val="accent6"/>
-          </a:effectRef>
-          <a:fontRef idx="minor">
-            <a:schemeClr val="dk1"/>
-          </a:fontRef>
-        </p:style>
-        <p:txBody>
-          <a:bodyPr rtlCol="0" anchor="ctr"/>
-          <a:p>
-            <a:pPr algn="ctr"/>
-            <a:endParaRPr lang="zh-CN" altLang="en-US"/>
-          </a:p>
-        </p:txBody>
-      </p:sp>
-      <p:sp>
-        <p:nvSpPr>
-          <p:cNvPr id="6" name="文本框 5"/>
-          <p:cNvSpPr txBox="1"/>
-          <p:nvPr/>
-        </p:nvSpPr>
-        <p:spPr>
-          <a:xfrm>
-            <a:off x="2439035" y="255905"/>
-            <a:ext cx="7476490" cy="365760"/>
-          </a:xfrm>
-          <a:prstGeom prst="rect">
-            <a:avLst/>
-          </a:prstGeom>
-          <a:noFill/>
-        </p:spPr>
-        <p:txBody>
-          <a:bodyPr wrap="square" rtlCol="0">
-            <a:spAutoFit/>
-          </a:bodyPr>
-          <a:p>
-            <a:pPr algn="ctr"/>
-            <a:r>
-              <a:rPr lang="zh-CN" altLang="en-US"/>
-              <a:t>显示当前的排队人数</a:t>
-            </a:r>
-            <a:endParaRPr lang="zh-CN" altLang="en-US"/>
-          </a:p>
-        </p:txBody>
-      </p:sp>
-      <p:sp>
-        <p:nvSpPr>
-          <p:cNvPr id="7" name="矩形 6"/>
-          <p:cNvSpPr/>
-          <p:nvPr/>
-        </p:nvSpPr>
-        <p:spPr>
-          <a:xfrm>
-            <a:off x="8800465" y="196850"/>
-            <a:ext cx="1105535" cy="434340"/>
-          </a:xfrm>
-          <a:prstGeom prst="rect">
-            <a:avLst/>
-          </a:prstGeom>
-        </p:spPr>
-        <p:style>
-          <a:lnRef idx="2">
-            <a:schemeClr val="accent6"/>
-          </a:lnRef>
-          <a:fillRef idx="1">
-            <a:schemeClr val="lt1"/>
-          </a:fillRef>
-          <a:effectRef idx="0">
-            <a:schemeClr val="accent6"/>
-          </a:effectRef>
-          <a:fontRef idx="minor">
-            <a:schemeClr val="dk1"/>
-          </a:fontRef>
-        </p:style>
-        <p:txBody>
-          <a:bodyPr rtlCol="0" anchor="ctr"/>
-          <a:p>
-            <a:pPr algn="ctr"/>
-            <a:endParaRPr lang="zh-CN" altLang="en-US"/>
-          </a:p>
-        </p:txBody>
-      </p:sp>
-      <p:sp>
-        <p:nvSpPr>
-          <p:cNvPr id="16" name="文本框 15"/>
-          <p:cNvSpPr txBox="1"/>
-          <p:nvPr/>
-        </p:nvSpPr>
-        <p:spPr>
-          <a:xfrm>
-            <a:off x="8786495" y="245110"/>
-            <a:ext cx="1276350" cy="365760"/>
-          </a:xfrm>
-          <a:prstGeom prst="rect">
-            <a:avLst/>
-          </a:prstGeom>
-          <a:noFill/>
-        </p:spPr>
-        <p:txBody>
-          <a:bodyPr wrap="square" rtlCol="0">
-            <a:spAutoFit/>
-          </a:bodyPr>
-          <a:p>
-            <a:r>
-              <a:rPr lang="zh-CN" altLang="en-US"/>
-              <a:t>回到首页</a:t>
-            </a:r>
-            <a:endParaRPr lang="zh-CN" altLang="en-US"/>
-          </a:p>
-        </p:txBody>
-      </p:sp>
       <p:sp>
         <p:nvSpPr>
           <p:cNvPr id="8" name="矩形 7"/>
@@ -4316,14 +6176,51 @@
       </p:sp>
       <p:sp>
         <p:nvSpPr>
-          <p:cNvPr id="3" name="文本框 2"/>
+          <p:cNvPr id="24" name="矩形 23"/>
+          <p:cNvSpPr/>
+          <p:nvPr/>
+        </p:nvSpPr>
+        <p:spPr>
+          <a:xfrm>
+            <a:off x="2099945" y="108585"/>
+            <a:ext cx="6396990" cy="460375"/>
+          </a:xfrm>
+          <a:prstGeom prst="rect">
+            <a:avLst/>
+          </a:prstGeom>
+        </p:spPr>
+        <p:style>
+          <a:lnRef idx="2">
+            <a:schemeClr val="accent6"/>
+          </a:lnRef>
+          <a:fillRef idx="1">
+            <a:schemeClr val="lt1"/>
+          </a:fillRef>
+          <a:effectRef idx="0">
+            <a:schemeClr val="accent6"/>
+          </a:effectRef>
+          <a:fontRef idx="minor">
+            <a:schemeClr val="dk1"/>
+          </a:fontRef>
+        </p:style>
+        <p:txBody>
+          <a:bodyPr rtlCol="0" anchor="ctr"/>
+          <a:p>
+            <a:pPr algn="ctr"/>
+            <a:endParaRPr lang="zh-CN" altLang="en-US"/>
+          </a:p>
+        </p:txBody>
+      </p:sp>
+      <p:sp>
+        <p:nvSpPr>
+          <p:cNvPr id="25" name="文本框 24"/>
           <p:cNvSpPr txBox="1"/>
           <p:nvPr/>
         </p:nvSpPr>
         <p:spPr>
           <a:xfrm>
-            <a:off x="2580640" y="3658870"/>
-            <a:ext cx="7226935" cy="916940"/>
+            <a:off x="2205355" y="161290"/>
+            <a:ext cx="6173470" cy="368300"/>
           </a:xfrm>
           <a:prstGeom prst="rect">
             <a:avLst/>
@@ -4336,34 +6233,333 @@
           </a:bodyPr>
           <a:p>
             <a:r>
-              <a:rPr lang="en-US" altLang="zh-CN"/>
-              <a:t>1</a:t>
-            </a:r>
-            <a:r>
               <a:rPr lang="zh-CN" altLang="en-US"/>
-              <a:t>、烹饪技巧</a:t>
-            </a:r>
-            <a:endParaRPr lang="zh-CN" altLang="en-US"/>
-          </a:p>
-          <a:p>
+              <a:t>您前面还有</a:t>
+            </a:r>
             <a:r>
               <a:rPr lang="en-US" altLang="zh-CN"/>
               <a:t>2</a:t>
             </a:r>
             <a:r>
               <a:rPr lang="zh-CN" altLang="en-US"/>
-              <a:t>、餐饮健康</a:t>
-            </a:r>
-            <a:endParaRPr lang="zh-CN" altLang="en-US"/>
-          </a:p>
-          <a:p>
+              <a:t>位顾客在排队，预计</a:t>
+            </a:r>
+            <a:r>
+              <a:rPr lang="en-US" altLang="zh-CN"/>
+              <a:t>10</a:t>
+            </a:r>
+            <a:r>
+              <a:rPr lang="zh-CN" altLang="en-US"/>
+              <a:t>分后上菜，请耐心等待。</a:t>
+            </a:r>
+            <a:endParaRPr lang="zh-CN" altLang="en-US"/>
+          </a:p>
+        </p:txBody>
+      </p:sp>
+      <p:sp>
+        <p:nvSpPr>
+          <p:cNvPr id="26" name="矩形 25"/>
+          <p:cNvSpPr/>
+          <p:nvPr/>
+        </p:nvSpPr>
+        <p:spPr>
+          <a:xfrm>
+            <a:off x="8576310" y="121920"/>
+            <a:ext cx="1645285" cy="434340"/>
+          </a:xfrm>
+          <a:prstGeom prst="rect">
+            <a:avLst/>
+          </a:prstGeom>
+        </p:spPr>
+        <p:style>
+          <a:lnRef idx="2">
+            <a:schemeClr val="accent1">
+              <a:shade val="50000"/>
+            </a:schemeClr>
+          </a:lnRef>
+          <a:fillRef idx="1">
+            <a:schemeClr val="accent1"/>
+          </a:fillRef>
+          <a:effectRef idx="0">
+            <a:schemeClr val="accent1"/>
+          </a:effectRef>
+          <a:fontRef idx="minor">
+            <a:schemeClr val="lt1"/>
+          </a:fontRef>
+        </p:style>
+        <p:txBody>
+          <a:bodyPr rtlCol="0" anchor="ctr"/>
+          <a:p>
+            <a:pPr algn="ctr"/>
+            <a:endParaRPr lang="zh-CN" altLang="en-US"/>
+          </a:p>
+        </p:txBody>
+      </p:sp>
+      <p:sp>
+        <p:nvSpPr>
+          <p:cNvPr id="27" name="文本框 26"/>
+          <p:cNvSpPr txBox="1"/>
+          <p:nvPr/>
+        </p:nvSpPr>
+        <p:spPr>
+          <a:xfrm>
+            <a:off x="8668385" y="161290"/>
+            <a:ext cx="1447800" cy="365760"/>
+          </a:xfrm>
+          <a:prstGeom prst="rect">
+            <a:avLst/>
+          </a:prstGeom>
+          <a:noFill/>
+        </p:spPr>
+        <p:txBody>
+          <a:bodyPr wrap="square" rtlCol="0">
+            <a:spAutoFit/>
+          </a:bodyPr>
+          <a:p>
+            <a:r>
+              <a:rPr lang="zh-CN" altLang="en-US"/>
+              <a:t>首页</a:t>
+            </a:r>
+            <a:endParaRPr lang="zh-CN" altLang="en-US"/>
+          </a:p>
+        </p:txBody>
+      </p:sp>
+      <p:sp>
+        <p:nvSpPr>
+          <p:cNvPr id="2" name="矩形 1"/>
+          <p:cNvSpPr/>
+          <p:nvPr/>
+        </p:nvSpPr>
+        <p:spPr>
+          <a:xfrm>
+            <a:off x="2350770" y="3552825"/>
+            <a:ext cx="7654290" cy="1296035"/>
+          </a:xfrm>
+          <a:prstGeom prst="rect">
+            <a:avLst/>
+          </a:prstGeom>
+        </p:spPr>
+        <p:style>
+          <a:lnRef idx="2">
+            <a:schemeClr val="accent6"/>
+          </a:lnRef>
+          <a:fillRef idx="1">
+            <a:schemeClr val="lt1"/>
+          </a:fillRef>
+          <a:effectRef idx="0">
+            <a:schemeClr val="accent6"/>
+          </a:effectRef>
+          <a:fontRef idx="minor">
+            <a:schemeClr val="dk1"/>
+          </a:fontRef>
+        </p:style>
+        <p:txBody>
+          <a:bodyPr rtlCol="0" anchor="ctr"/>
+          <a:p>
+            <a:pPr algn="ctr"/>
+            <a:endParaRPr lang="zh-CN" altLang="en-US"/>
+          </a:p>
+        </p:txBody>
+      </p:sp>
+      <p:sp>
+        <p:nvSpPr>
+          <p:cNvPr id="4" name="文本框 3"/>
+          <p:cNvSpPr txBox="1"/>
+          <p:nvPr/>
+        </p:nvSpPr>
+        <p:spPr>
+          <a:xfrm>
+            <a:off x="5246370" y="3617595"/>
+            <a:ext cx="2026920" cy="365760"/>
+          </a:xfrm>
+          <a:prstGeom prst="rect">
+            <a:avLst/>
+          </a:prstGeom>
+          <a:noFill/>
+        </p:spPr>
+        <p:txBody>
+          <a:bodyPr wrap="square" rtlCol="0">
+            <a:spAutoFit/>
+          </a:bodyPr>
+          <a:p>
+            <a:r>
+              <a:rPr lang="zh-CN" altLang="en-US"/>
+              <a:t>标题</a:t>
+            </a:r>
+            <a:endParaRPr lang="zh-CN" altLang="en-US"/>
+          </a:p>
+        </p:txBody>
+      </p:sp>
+      <p:sp>
+        <p:nvSpPr>
+          <p:cNvPr id="12" name="文本框 11"/>
+          <p:cNvSpPr txBox="1"/>
+          <p:nvPr/>
+        </p:nvSpPr>
+        <p:spPr>
+          <a:xfrm>
+            <a:off x="2587625" y="4025900"/>
+            <a:ext cx="7186930" cy="368300"/>
+          </a:xfrm>
+          <a:prstGeom prst="rect">
+            <a:avLst/>
+          </a:prstGeom>
+          <a:noFill/>
+        </p:spPr>
+        <p:txBody>
+          <a:bodyPr wrap="square" rtlCol="0">
+            <a:spAutoFit/>
+          </a:bodyPr>
+          <a:p>
+            <a:r>
+              <a:rPr lang="zh-CN" altLang="en-US"/>
+              <a:t>内容</a:t>
+            </a:r>
             <a:r>
               <a:rPr lang="en-US" altLang="zh-CN"/>
               <a:t>……</a:t>
             </a:r>
+            <a:endParaRPr lang="en-US" altLang="zh-CN"/>
+          </a:p>
+        </p:txBody>
+      </p:sp>
+      <p:sp>
+        <p:nvSpPr>
+          <p:cNvPr id="52" name="矩形 51"/>
+          <p:cNvSpPr/>
+          <p:nvPr/>
+        </p:nvSpPr>
+        <p:spPr>
+          <a:xfrm>
+            <a:off x="5856605" y="6139815"/>
+            <a:ext cx="4159885" cy="421005"/>
+          </a:xfrm>
+          <a:prstGeom prst="rect">
+            <a:avLst/>
+          </a:prstGeom>
+        </p:spPr>
+        <p:style>
+          <a:lnRef idx="2">
+            <a:schemeClr val="accent6"/>
+          </a:lnRef>
+          <a:fillRef idx="1">
+            <a:schemeClr val="lt1"/>
+          </a:fillRef>
+          <a:effectRef idx="0">
+            <a:schemeClr val="accent6"/>
+          </a:effectRef>
+          <a:fontRef idx="minor">
+            <a:schemeClr val="dk1"/>
+          </a:fontRef>
+        </p:style>
+        <p:txBody>
+          <a:bodyPr rtlCol="0" anchor="ctr"/>
+          <a:p>
+            <a:pPr algn="ctr"/>
+            <a:endParaRPr lang="zh-CN" altLang="en-US"/>
+          </a:p>
+        </p:txBody>
+      </p:sp>
+      <p:sp>
+        <p:nvSpPr>
+          <p:cNvPr id="53" name="文本框 52"/>
+          <p:cNvSpPr txBox="1"/>
+          <p:nvPr/>
+        </p:nvSpPr>
+        <p:spPr>
+          <a:xfrm>
+            <a:off x="5974715" y="6204585"/>
+            <a:ext cx="2329815" cy="365760"/>
+          </a:xfrm>
+          <a:prstGeom prst="rect">
+            <a:avLst/>
+          </a:prstGeom>
+          <a:noFill/>
+        </p:spPr>
+        <p:txBody>
+          <a:bodyPr wrap="square" rtlCol="0">
+            <a:spAutoFit/>
+          </a:bodyPr>
+          <a:p>
             <a:r>
               <a:rPr lang="zh-CN" altLang="en-US"/>
-              <a:t>等小知识的普及</a:t>
+              <a:t>分页链接</a:t>
+            </a:r>
+            <a:endParaRPr lang="zh-CN" altLang="en-US"/>
+          </a:p>
+        </p:txBody>
+      </p:sp>
+      <p:sp>
+        <p:nvSpPr>
+          <p:cNvPr id="50" name="左箭头 49"/>
+          <p:cNvSpPr/>
+          <p:nvPr/>
+        </p:nvSpPr>
+        <p:spPr>
+          <a:xfrm>
+            <a:off x="10026650" y="3824605"/>
+            <a:ext cx="1158240" cy="487045"/>
+          </a:xfrm>
+          <a:prstGeom prst="leftArrow">
+            <a:avLst/>
+          </a:prstGeom>
+        </p:spPr>
+        <p:style>
+          <a:lnRef idx="2">
+            <a:schemeClr val="accent4">
+              <a:shade val="50000"/>
+            </a:schemeClr>
+          </a:lnRef>
+          <a:fillRef idx="1">
+            <a:schemeClr val="accent4"/>
+          </a:fillRef>
+          <a:effectRef idx="0">
+            <a:schemeClr val="accent4"/>
+          </a:effectRef>
+          <a:fontRef idx="minor">
+            <a:schemeClr val="lt1"/>
+          </a:fontRef>
+        </p:style>
+        <p:txBody>
+          <a:bodyPr rtlCol="0" anchor="ctr"/>
+          <a:p>
+            <a:pPr algn="ctr"/>
+            <a:endParaRPr lang="zh-CN" altLang="en-US"/>
+          </a:p>
+        </p:txBody>
+      </p:sp>
+      <p:sp>
+        <p:nvSpPr>
+          <p:cNvPr id="51" name="文本框 50"/>
+          <p:cNvSpPr txBox="1"/>
+          <p:nvPr/>
+        </p:nvSpPr>
+        <p:spPr>
+          <a:xfrm>
+            <a:off x="11359515" y="3021330"/>
+            <a:ext cx="459740" cy="2672080"/>
+          </a:xfrm>
+          <a:prstGeom prst="rect">
+            <a:avLst/>
+          </a:prstGeom>
+          <a:noFill/>
+        </p:spPr>
+        <p:txBody>
+          <a:bodyPr vert="eaVert" wrap="square" rtlCol="0">
+            <a:spAutoFit/>
+          </a:bodyPr>
+          <a:p>
+            <a:r>
+              <a:rPr lang="zh-CN" altLang="en-US"/>
+              <a:t>固定每页显示</a:t>
+            </a:r>
+            <a:r>
+              <a:rPr lang="en-US" altLang="zh-CN"/>
+              <a:t>3</a:t>
+            </a:r>
+            <a:r>
+              <a:rPr lang="zh-CN" altLang="en-US"/>
+              <a:t>条数据</a:t>
             </a:r>
             <a:endParaRPr lang="zh-CN" altLang="en-US"/>
           </a:p>
@@ -4389,14 +6585,14 @@
       <p:grpSpPr/>
       <p:sp>
         <p:nvSpPr>
-          <p:cNvPr id="5" name="矩形 4"/>
+          <p:cNvPr id="7" name="矩形 6"/>
           <p:cNvSpPr/>
           <p:nvPr/>
         </p:nvSpPr>
         <p:spPr>
           <a:xfrm>
-            <a:off x="2136140" y="165735"/>
-            <a:ext cx="8068945" cy="553085"/>
+            <a:off x="2132965" y="664210"/>
+            <a:ext cx="8069580" cy="6067425"/>
           </a:xfrm>
           <a:prstGeom prst="rect">
             <a:avLst/>
@@ -4426,14 +6622,14 @@
       </p:sp>
       <p:sp>
         <p:nvSpPr>
-          <p:cNvPr id="6" name="文本框 5"/>
+          <p:cNvPr id="12" name="文本框 11"/>
           <p:cNvSpPr txBox="1"/>
           <p:nvPr/>
         </p:nvSpPr>
         <p:spPr>
           <a:xfrm>
-            <a:off x="2439035" y="255905"/>
-            <a:ext cx="7476490" cy="365760"/>
+            <a:off x="1016635" y="210185"/>
+            <a:ext cx="853440" cy="5817870"/>
           </a:xfrm>
           <a:prstGeom prst="rect">
             <a:avLst/>
@@ -4441,29 +6637,28 @@
           <a:noFill/>
         </p:spPr>
         <p:txBody>
-          <a:bodyPr wrap="square" rtlCol="0">
+          <a:bodyPr vert="eaVert" wrap="square" rtlCol="0">
             <a:spAutoFit/>
           </a:bodyPr>
           <a:p>
-            <a:pPr algn="ctr"/>
-            <a:r>
-              <a:rPr lang="zh-CN" altLang="en-US"/>
-              <a:t>显示当前的排队人数</a:t>
-            </a:r>
-            <a:endParaRPr lang="zh-CN" altLang="en-US"/>
-          </a:p>
-        </p:txBody>
-      </p:sp>
-      <p:sp>
-        <p:nvSpPr>
-          <p:cNvPr id="4" name="矩形 3"/>
+            <a:r>
+              <a:rPr lang="zh-CN" altLang="en-US" sz="4400" b="1"/>
+              <a:t>已点菜单页</a:t>
+            </a:r>
+            <a:endParaRPr lang="zh-CN" altLang="en-US" sz="4400" b="1"/>
+          </a:p>
+        </p:txBody>
+      </p:sp>
+      <p:sp>
+        <p:nvSpPr>
+          <p:cNvPr id="24" name="矩形 23"/>
           <p:cNvSpPr/>
           <p:nvPr/>
         </p:nvSpPr>
         <p:spPr>
           <a:xfrm>
-            <a:off x="8754110" y="210185"/>
-            <a:ext cx="1145540" cy="407670"/>
+            <a:off x="2099945" y="108585"/>
+            <a:ext cx="6396990" cy="460375"/>
           </a:xfrm>
           <a:prstGeom prst="rect">
             <a:avLst/>
@@ -4493,14 +6688,14 @@
       </p:sp>
       <p:sp>
         <p:nvSpPr>
-          <p:cNvPr id="16" name="文本框 15"/>
+          <p:cNvPr id="25" name="文本框 24"/>
           <p:cNvSpPr txBox="1"/>
           <p:nvPr/>
         </p:nvSpPr>
         <p:spPr>
           <a:xfrm>
-            <a:off x="8786495" y="245110"/>
-            <a:ext cx="1276350" cy="365760"/>
+            <a:off x="2205355" y="161290"/>
+            <a:ext cx="6173470" cy="368300"/>
           </a:xfrm>
           <a:prstGeom prst="rect">
             <a:avLst/>
@@ -4514,22 +6709,106 @@
           <a:p>
             <a:r>
               <a:rPr lang="zh-CN" altLang="en-US"/>
-              <a:t>回到首页</a:t>
-            </a:r>
-            <a:endParaRPr lang="zh-CN" altLang="en-US"/>
-          </a:p>
-        </p:txBody>
-      </p:sp>
-      <p:sp>
-        <p:nvSpPr>
-          <p:cNvPr id="7" name="矩形 6"/>
+              <a:t>您前面还有</a:t>
+            </a:r>
+            <a:r>
+              <a:rPr lang="en-US" altLang="zh-CN"/>
+              <a:t>2</a:t>
+            </a:r>
+            <a:r>
+              <a:rPr lang="zh-CN" altLang="en-US"/>
+              <a:t>位顾客在排队，预计</a:t>
+            </a:r>
+            <a:r>
+              <a:rPr lang="en-US" altLang="zh-CN"/>
+              <a:t>10</a:t>
+            </a:r>
+            <a:r>
+              <a:rPr lang="zh-CN" altLang="en-US"/>
+              <a:t>分后上菜，请耐心等待。</a:t>
+            </a:r>
+            <a:endParaRPr lang="zh-CN" altLang="en-US"/>
+          </a:p>
+        </p:txBody>
+      </p:sp>
+      <p:sp>
+        <p:nvSpPr>
+          <p:cNvPr id="26" name="矩形 25"/>
           <p:cNvSpPr/>
           <p:nvPr/>
         </p:nvSpPr>
         <p:spPr>
           <a:xfrm>
-            <a:off x="2132965" y="1577975"/>
-            <a:ext cx="8069580" cy="3975100"/>
+            <a:off x="8576310" y="121920"/>
+            <a:ext cx="1645285" cy="434340"/>
+          </a:xfrm>
+          <a:prstGeom prst="rect">
+            <a:avLst/>
+          </a:prstGeom>
+        </p:spPr>
+        <p:style>
+          <a:lnRef idx="2">
+            <a:schemeClr val="accent1">
+              <a:shade val="50000"/>
+            </a:schemeClr>
+          </a:lnRef>
+          <a:fillRef idx="1">
+            <a:schemeClr val="accent1"/>
+          </a:fillRef>
+          <a:effectRef idx="0">
+            <a:schemeClr val="accent1"/>
+          </a:effectRef>
+          <a:fontRef idx="minor">
+            <a:schemeClr val="lt1"/>
+          </a:fontRef>
+        </p:style>
+        <p:txBody>
+          <a:bodyPr rtlCol="0" anchor="ctr"/>
+          <a:p>
+            <a:pPr algn="ctr"/>
+            <a:endParaRPr lang="zh-CN" altLang="en-US"/>
+          </a:p>
+        </p:txBody>
+      </p:sp>
+      <p:sp>
+        <p:nvSpPr>
+          <p:cNvPr id="27" name="文本框 26"/>
+          <p:cNvSpPr txBox="1"/>
+          <p:nvPr/>
+        </p:nvSpPr>
+        <p:spPr>
+          <a:xfrm>
+            <a:off x="8668385" y="161290"/>
+            <a:ext cx="1447800" cy="365760"/>
+          </a:xfrm>
+          <a:prstGeom prst="rect">
+            <a:avLst/>
+          </a:prstGeom>
+          <a:noFill/>
+        </p:spPr>
+        <p:txBody>
+          <a:bodyPr wrap="square" rtlCol="0">
+            <a:spAutoFit/>
+          </a:bodyPr>
+          <a:p>
+            <a:r>
+              <a:rPr lang="zh-CN" altLang="en-US"/>
+              <a:t>首页</a:t>
+            </a:r>
+            <a:endParaRPr lang="zh-CN" altLang="en-US"/>
+          </a:p>
+        </p:txBody>
+      </p:sp>
+      <p:sp>
+        <p:nvSpPr>
+          <p:cNvPr id="43" name="矩形 42"/>
+          <p:cNvSpPr/>
+          <p:nvPr/>
+        </p:nvSpPr>
+        <p:spPr>
+          <a:xfrm>
+            <a:off x="2252345" y="773430"/>
+            <a:ext cx="7893050" cy="1421765"/>
           </a:xfrm>
           <a:prstGeom prst="rect">
             <a:avLst/>
@@ -4559,14 +6838,14 @@
       </p:sp>
       <p:sp>
         <p:nvSpPr>
-          <p:cNvPr id="8" name="矩形 7"/>
+          <p:cNvPr id="44" name="矩形 43"/>
           <p:cNvSpPr/>
           <p:nvPr/>
         </p:nvSpPr>
         <p:spPr>
           <a:xfrm>
-            <a:off x="2317750" y="1722755"/>
-            <a:ext cx="7713345" cy="1671955"/>
+            <a:off x="2346960" y="850265"/>
+            <a:ext cx="2413000" cy="1276985"/>
           </a:xfrm>
           <a:prstGeom prst="rect">
             <a:avLst/>
@@ -4596,14 +6875,14 @@
       </p:sp>
       <p:sp>
         <p:nvSpPr>
-          <p:cNvPr id="9" name="文本框 8"/>
+          <p:cNvPr id="45" name="文本框 44"/>
           <p:cNvSpPr txBox="1"/>
           <p:nvPr/>
         </p:nvSpPr>
         <p:spPr>
           <a:xfrm>
-            <a:off x="2422525" y="1814830"/>
-            <a:ext cx="7503160" cy="642620"/>
+            <a:off x="2488565" y="993140"/>
+            <a:ext cx="2180590" cy="640080"/>
           </a:xfrm>
           <a:prstGeom prst="rect">
             <a:avLst/>
@@ -4617,34 +6896,138 @@
           <a:p>
             <a:r>
               <a:rPr lang="zh-CN" altLang="en-US"/>
-              <a:t>其中的一项，布局和首页中的菜单列表中的子项相同</a:t>
-            </a:r>
-            <a:r>
-              <a:rPr lang="en-US" altLang="zh-CN"/>
-              <a:t>(</a:t>
-            </a:r>
+              <a:t>用于显示菜单的图片</a:t>
+            </a:r>
+            <a:endParaRPr lang="zh-CN" altLang="en-US"/>
+          </a:p>
+        </p:txBody>
+      </p:sp>
+      <p:sp>
+        <p:nvSpPr>
+          <p:cNvPr id="46" name="文本框 45"/>
+          <p:cNvSpPr txBox="1"/>
+          <p:nvPr/>
+        </p:nvSpPr>
+        <p:spPr>
+          <a:xfrm>
+            <a:off x="4842510" y="861695"/>
+            <a:ext cx="1681480" cy="365760"/>
+          </a:xfrm>
+          <a:prstGeom prst="rect">
+            <a:avLst/>
+          </a:prstGeom>
+          <a:noFill/>
+        </p:spPr>
+        <p:txBody>
+          <a:bodyPr wrap="square" rtlCol="0">
+            <a:spAutoFit/>
+          </a:bodyPr>
+          <a:p>
             <a:r>
               <a:rPr lang="zh-CN" altLang="en-US"/>
-              <a:t>点击进入下单成功页展示这项的具体下单数据</a:t>
-            </a:r>
-            <a:r>
-              <a:rPr lang="en-US" altLang="zh-CN"/>
-              <a:t>)</a:t>
-            </a:r>
-            <a:endParaRPr lang="en-US" altLang="zh-CN"/>
-          </a:p>
-        </p:txBody>
-      </p:sp>
-      <p:sp>
-        <p:nvSpPr>
-          <p:cNvPr id="10" name="矩形 9"/>
+              <a:t>菜名</a:t>
+            </a:r>
+            <a:endParaRPr lang="zh-CN" altLang="en-US"/>
+          </a:p>
+        </p:txBody>
+      </p:sp>
+      <p:sp>
+        <p:nvSpPr>
+          <p:cNvPr id="47" name="文本框 46"/>
+          <p:cNvSpPr txBox="1"/>
+          <p:nvPr/>
+        </p:nvSpPr>
+        <p:spPr>
+          <a:xfrm>
+            <a:off x="6277610" y="836295"/>
+            <a:ext cx="1681480" cy="365760"/>
+          </a:xfrm>
+          <a:prstGeom prst="rect">
+            <a:avLst/>
+          </a:prstGeom>
+          <a:noFill/>
+        </p:spPr>
+        <p:txBody>
+          <a:bodyPr wrap="square" rtlCol="0">
+            <a:spAutoFit/>
+          </a:bodyPr>
+          <a:p>
+            <a:r>
+              <a:rPr lang="zh-CN" altLang="en-US"/>
+              <a:t>价格</a:t>
+            </a:r>
+            <a:endParaRPr lang="zh-CN" altLang="en-US"/>
+          </a:p>
+        </p:txBody>
+      </p:sp>
+      <p:sp>
+        <p:nvSpPr>
+          <p:cNvPr id="48" name="文本框 47"/>
+          <p:cNvSpPr txBox="1"/>
+          <p:nvPr/>
+        </p:nvSpPr>
+        <p:spPr>
+          <a:xfrm>
+            <a:off x="7687310" y="823595"/>
+            <a:ext cx="1681480" cy="365760"/>
+          </a:xfrm>
+          <a:prstGeom prst="rect">
+            <a:avLst/>
+          </a:prstGeom>
+          <a:noFill/>
+        </p:spPr>
+        <p:txBody>
+          <a:bodyPr wrap="square" rtlCol="0">
+            <a:spAutoFit/>
+          </a:bodyPr>
+          <a:p>
+            <a:r>
+              <a:rPr lang="zh-CN" altLang="en-US"/>
+              <a:t>状态</a:t>
+            </a:r>
+            <a:endParaRPr lang="zh-CN" altLang="en-US"/>
+          </a:p>
+        </p:txBody>
+      </p:sp>
+      <p:sp>
+        <p:nvSpPr>
+          <p:cNvPr id="49" name="文本框 48"/>
+          <p:cNvSpPr txBox="1"/>
+          <p:nvPr/>
+        </p:nvSpPr>
+        <p:spPr>
+          <a:xfrm>
+            <a:off x="4819650" y="1388110"/>
+            <a:ext cx="5245735" cy="365760"/>
+          </a:xfrm>
+          <a:prstGeom prst="rect">
+            <a:avLst/>
+          </a:prstGeom>
+          <a:noFill/>
+        </p:spPr>
+        <p:txBody>
+          <a:bodyPr wrap="square" rtlCol="0">
+            <a:spAutoFit/>
+          </a:bodyPr>
+          <a:p>
+            <a:r>
+              <a:rPr lang="zh-CN" altLang="en-US"/>
+              <a:t>对应的菜单简介</a:t>
+            </a:r>
+            <a:endParaRPr lang="zh-CN" altLang="en-US"/>
+          </a:p>
+        </p:txBody>
+      </p:sp>
+      <p:sp>
+        <p:nvSpPr>
+          <p:cNvPr id="2" name="矩形 1"/>
           <p:cNvSpPr/>
           <p:nvPr/>
         </p:nvSpPr>
         <p:spPr>
           <a:xfrm>
-            <a:off x="2132965" y="802640"/>
-            <a:ext cx="8042910" cy="684530"/>
+            <a:off x="2239645" y="2284730"/>
+            <a:ext cx="7893050" cy="1421765"/>
           </a:xfrm>
           <a:prstGeom prst="rect">
             <a:avLst/>
@@ -4674,14 +7057,51 @@
       </p:sp>
       <p:sp>
         <p:nvSpPr>
-          <p:cNvPr id="11" name="文本框 10"/>
+          <p:cNvPr id="3" name="矩形 2"/>
+          <p:cNvSpPr/>
+          <p:nvPr/>
+        </p:nvSpPr>
+        <p:spPr>
+          <a:xfrm>
+            <a:off x="2334260" y="2361565"/>
+            <a:ext cx="2413000" cy="1276985"/>
+          </a:xfrm>
+          <a:prstGeom prst="rect">
+            <a:avLst/>
+          </a:prstGeom>
+        </p:spPr>
+        <p:style>
+          <a:lnRef idx="2">
+            <a:schemeClr val="accent6"/>
+          </a:lnRef>
+          <a:fillRef idx="1">
+            <a:schemeClr val="lt1"/>
+          </a:fillRef>
+          <a:effectRef idx="0">
+            <a:schemeClr val="accent6"/>
+          </a:effectRef>
+          <a:fontRef idx="minor">
+            <a:schemeClr val="dk1"/>
+          </a:fontRef>
+        </p:style>
+        <p:txBody>
+          <a:bodyPr rtlCol="0" anchor="ctr"/>
+          <a:p>
+            <a:pPr algn="ctr"/>
+            <a:endParaRPr lang="zh-CN" altLang="en-US"/>
+          </a:p>
+        </p:txBody>
+      </p:sp>
+      <p:sp>
+        <p:nvSpPr>
+          <p:cNvPr id="13" name="文本框 12"/>
           <p:cNvSpPr txBox="1"/>
           <p:nvPr/>
         </p:nvSpPr>
         <p:spPr>
           <a:xfrm>
-            <a:off x="2277745" y="907415"/>
-            <a:ext cx="7713980" cy="368300"/>
+            <a:off x="2475865" y="2504440"/>
+            <a:ext cx="2180590" cy="640080"/>
           </a:xfrm>
           <a:prstGeom prst="rect">
             <a:avLst/>
@@ -4693,37 +7113,179 @@
             <a:spAutoFit/>
           </a:bodyPr>
           <a:p>
+            <a:r>
+              <a:rPr lang="zh-CN" altLang="en-US"/>
+              <a:t>用于显示菜单的图片</a:t>
+            </a:r>
+            <a:endParaRPr lang="zh-CN" altLang="en-US"/>
+          </a:p>
+        </p:txBody>
+      </p:sp>
+      <p:sp>
+        <p:nvSpPr>
+          <p:cNvPr id="14" name="文本框 13"/>
+          <p:cNvSpPr txBox="1"/>
+          <p:nvPr/>
+        </p:nvSpPr>
+        <p:spPr>
+          <a:xfrm>
+            <a:off x="4829810" y="2372995"/>
+            <a:ext cx="1681480" cy="365760"/>
+          </a:xfrm>
+          <a:prstGeom prst="rect">
+            <a:avLst/>
+          </a:prstGeom>
+          <a:noFill/>
+        </p:spPr>
+        <p:txBody>
+          <a:bodyPr wrap="square" rtlCol="0">
+            <a:spAutoFit/>
+          </a:bodyPr>
+          <a:p>
+            <a:r>
+              <a:rPr lang="zh-CN" altLang="en-US"/>
+              <a:t>菜名</a:t>
+            </a:r>
+            <a:endParaRPr lang="zh-CN" altLang="en-US"/>
+          </a:p>
+        </p:txBody>
+      </p:sp>
+      <p:sp>
+        <p:nvSpPr>
+          <p:cNvPr id="15" name="文本框 14"/>
+          <p:cNvSpPr txBox="1"/>
+          <p:nvPr/>
+        </p:nvSpPr>
+        <p:spPr>
+          <a:xfrm>
+            <a:off x="6264910" y="2347595"/>
+            <a:ext cx="1681480" cy="365760"/>
+          </a:xfrm>
+          <a:prstGeom prst="rect">
+            <a:avLst/>
+          </a:prstGeom>
+          <a:noFill/>
+        </p:spPr>
+        <p:txBody>
+          <a:bodyPr wrap="square" rtlCol="0">
+            <a:spAutoFit/>
+          </a:bodyPr>
+          <a:p>
+            <a:r>
+              <a:rPr lang="zh-CN" altLang="en-US"/>
+              <a:t>价格</a:t>
+            </a:r>
+            <a:endParaRPr lang="zh-CN" altLang="en-US"/>
+          </a:p>
+        </p:txBody>
+      </p:sp>
+      <p:sp>
+        <p:nvSpPr>
+          <p:cNvPr id="17" name="文本框 16"/>
+          <p:cNvSpPr txBox="1"/>
+          <p:nvPr/>
+        </p:nvSpPr>
+        <p:spPr>
+          <a:xfrm>
+            <a:off x="7674610" y="2334895"/>
+            <a:ext cx="1681480" cy="365760"/>
+          </a:xfrm>
+          <a:prstGeom prst="rect">
+            <a:avLst/>
+          </a:prstGeom>
+          <a:noFill/>
+        </p:spPr>
+        <p:txBody>
+          <a:bodyPr wrap="square" rtlCol="0">
+            <a:spAutoFit/>
+          </a:bodyPr>
+          <a:p>
+            <a:r>
+              <a:rPr lang="zh-CN" altLang="en-US"/>
+              <a:t>状态</a:t>
+            </a:r>
+            <a:endParaRPr lang="zh-CN" altLang="en-US"/>
+          </a:p>
+        </p:txBody>
+      </p:sp>
+      <p:sp>
+        <p:nvSpPr>
+          <p:cNvPr id="18" name="文本框 17"/>
+          <p:cNvSpPr txBox="1"/>
+          <p:nvPr/>
+        </p:nvSpPr>
+        <p:spPr>
+          <a:xfrm>
+            <a:off x="4806950" y="2899410"/>
+            <a:ext cx="5245735" cy="365760"/>
+          </a:xfrm>
+          <a:prstGeom prst="rect">
+            <a:avLst/>
+          </a:prstGeom>
+          <a:noFill/>
+        </p:spPr>
+        <p:txBody>
+          <a:bodyPr wrap="square" rtlCol="0">
+            <a:spAutoFit/>
+          </a:bodyPr>
+          <a:p>
+            <a:r>
+              <a:rPr lang="zh-CN" altLang="en-US"/>
+              <a:t>对应的菜单简介</a:t>
+            </a:r>
+            <a:endParaRPr lang="zh-CN" altLang="en-US"/>
+          </a:p>
+        </p:txBody>
+      </p:sp>
+      <p:sp>
+        <p:nvSpPr>
+          <p:cNvPr id="19" name="左箭头 18"/>
+          <p:cNvSpPr/>
+          <p:nvPr/>
+        </p:nvSpPr>
+        <p:spPr>
+          <a:xfrm>
+            <a:off x="10158730" y="2816860"/>
+            <a:ext cx="802640" cy="394970"/>
+          </a:xfrm>
+          <a:prstGeom prst="leftArrow">
+            <a:avLst/>
+          </a:prstGeom>
+        </p:spPr>
+        <p:style>
+          <a:lnRef idx="2">
+            <a:schemeClr val="accent4">
+              <a:shade val="50000"/>
+            </a:schemeClr>
+          </a:lnRef>
+          <a:fillRef idx="1">
+            <a:schemeClr val="accent4"/>
+          </a:fillRef>
+          <a:effectRef idx="0">
+            <a:schemeClr val="accent4"/>
+          </a:effectRef>
+          <a:fontRef idx="minor">
+            <a:schemeClr val="lt1"/>
+          </a:fontRef>
+        </p:style>
+        <p:txBody>
+          <a:bodyPr rtlCol="0" anchor="ctr"/>
+          <a:p>
             <a:pPr algn="ctr"/>
-            <a:r>
-              <a:rPr lang="zh-CN" altLang="en-US"/>
-              <a:t>您还有</a:t>
-            </a:r>
-            <a:r>
-              <a:rPr lang="en-US" altLang="zh-CN"/>
-              <a:t>n</a:t>
-            </a:r>
-            <a:r>
-              <a:rPr lang="zh-CN" altLang="en-US"/>
-              <a:t>份正在下厨，请耐心等待</a:t>
-            </a:r>
-            <a:r>
-              <a:rPr lang="en-US" altLang="zh-CN"/>
-              <a:t>……</a:t>
-            </a:r>
-            <a:endParaRPr lang="en-US" altLang="zh-CN"/>
-          </a:p>
-        </p:txBody>
-      </p:sp>
-      <p:sp>
-        <p:nvSpPr>
-          <p:cNvPr id="12" name="文本框 11"/>
+            <a:endParaRPr lang="zh-CN" altLang="en-US"/>
+          </a:p>
+        </p:txBody>
+      </p:sp>
+      <p:sp>
+        <p:nvSpPr>
+          <p:cNvPr id="20" name="文本框 19"/>
           <p:cNvSpPr txBox="1"/>
           <p:nvPr/>
         </p:nvSpPr>
         <p:spPr>
           <a:xfrm>
-            <a:off x="1016635" y="210185"/>
-            <a:ext cx="853440" cy="5817870"/>
+            <a:off x="11331575" y="1263015"/>
+            <a:ext cx="457200" cy="4541520"/>
           </a:xfrm>
           <a:prstGeom prst="rect">
             <a:avLst/>
@@ -4736,10 +7298,10 @@
           </a:bodyPr>
           <a:p>
             <a:r>
-              <a:rPr lang="zh-CN" altLang="en-US" sz="4400" b="1"/>
-              <a:t>已点菜单页</a:t>
-            </a:r>
-            <a:endParaRPr lang="zh-CN" altLang="en-US" sz="4400" b="1"/>
+              <a:rPr lang="zh-CN" altLang="en-US"/>
+              <a:t>点击进入下单成功页</a:t>
+            </a:r>
+            <a:endParaRPr lang="zh-CN" altLang="en-US"/>
           </a:p>
         </p:txBody>
       </p:sp>
@@ -5010,4 +7572,265 @@
     </a:ext>
   </a:extLst>
 </a:theme>
+</file>
+
+<file path=ppt/theme/theme2.xml><?xml version="1.0" encoding="utf-8"?>
+<a:theme xmlns:a="http://schemas.openxmlformats.org/drawingml/2006/main" name="Office 主题">
+  <a:themeElements>
+    <a:clrScheme name="Office">
+      <a:dk1>
+        <a:sysClr val="windowText" lastClr="000000"/>
+      </a:dk1>
+      <a:lt1>
+        <a:sysClr val="window" lastClr="FFFFFF"/>
+      </a:lt1>
+      <a:dk2>
+        <a:srgbClr val="44546A"/>
+      </a:dk2>
+      <a:lt2>
+        <a:srgbClr val="E7E6E6"/>
+      </a:lt2>
+      <a:accent1>
+        <a:srgbClr val="5B9BD5"/>
+      </a:accent1>
+      <a:accent2>
+        <a:srgbClr val="ED7D31"/>
+      </a:accent2>
+      <a:accent3>
+        <a:srgbClr val="A5A5A5"/>
+      </a:accent3>
+      <a:accent4>
+        <a:srgbClr val="FFC000"/>
+      </a:accent4>
+      <a:accent5>
+        <a:srgbClr val="4472C4"/>
+      </a:accent5>
+      <a:accent6>
+        <a:srgbClr val="70AD47"/>
+      </a:accent6>
+      <a:hlink>
+        <a:srgbClr val="0563C1"/>
+      </a:hlink>
+      <a:folHlink>
+        <a:srgbClr val="954F72"/>
+      </a:folHlink>
+    </a:clrScheme>
+    <a:fontScheme name="Office">
+      <a:majorFont>
+        <a:latin typeface="Calibri Light"/>
+        <a:ea typeface=""/>
+        <a:cs typeface=""/>
+        <a:font script="Jpan" typeface="ＭＳ Ｐゴシック"/>
+        <a:font script="Hang" typeface="맑은 고딕"/>
+        <a:font script="Hans" typeface="宋体"/>
+        <a:font script="Hant" typeface="新細明體"/>
+        <a:font script="Arab" typeface="Times New Roman"/>
+        <a:font script="Hebr" typeface="Times New Roman"/>
+        <a:font script="Thai" typeface="Angsana New"/>
+        <a:font script="Ethi" typeface="Nyala"/>
+        <a:font script="Beng" typeface="Vrinda"/>
+        <a:font script="Gujr" typeface="Shruti"/>
+        <a:font script="Khmr" typeface="MoolBoran"/>
+        <a:font script="Knda" typeface="Tunga"/>
+        <a:font script="Guru" typeface="Raavi"/>
+        <a:font script="Cans" typeface="Euphemia"/>
+        <a:font script="Cher" typeface="Plantagenet Cherokee"/>
+        <a:font script="Yiii" typeface="Microsoft Yi Baiti"/>
+        <a:font script="Tibt" typeface="Microsoft Himalaya"/>
+        <a:font script="Thaa" typeface="MV Boli"/>
+        <a:font script="Deva" typeface="Mangal"/>
+        <a:font script="Telu" typeface="Gautami"/>
+        <a:font script="Taml" typeface="Latha"/>
+        <a:font script="Syrc" typeface="Estrangelo Edessa"/>
+        <a:font script="Orya" typeface="Kalinga"/>
+        <a:font script="Mlym" typeface="Kartika"/>
+        <a:font script="Laoo" typeface="DokChampa"/>
+        <a:font script="Sinh" typeface="Iskoola Pota"/>
+        <a:font script="Mong" typeface="Mongolian Baiti"/>
+        <a:font script="Viet" typeface="Times New Roman"/>
+        <a:font script="Uigh" typeface="Microsoft Uighur"/>
+        <a:font script="Geor" typeface="Sylfaen"/>
+      </a:majorFont>
+      <a:minorFont>
+        <a:latin typeface="Calibri"/>
+        <a:ea typeface=""/>
+        <a:cs typeface=""/>
+        <a:font script="Jpan" typeface="ＭＳ Ｐゴシック"/>
+        <a:font script="Hang" typeface="맑은 고딕"/>
+        <a:font script="Hans" typeface="宋体"/>
+        <a:font script="Hant" typeface="新細明體"/>
+        <a:font script="Arab" typeface="Arial"/>
+        <a:font script="Hebr" typeface="Arial"/>
+        <a:font script="Thai" typeface="Cordia New"/>
+        <a:font script="Ethi" typeface="Nyala"/>
+        <a:font script="Beng" typeface="Vrinda"/>
+        <a:font script="Gujr" typeface="Shruti"/>
+        <a:font script="Khmr" typeface="DaunPenh"/>
+        <a:font script="Knda" typeface="Tunga"/>
+        <a:font script="Guru" typeface="Raavi"/>
+        <a:font script="Cans" typeface="Euphemia"/>
+        <a:font script="Cher" typeface="Plantagenet Cherokee"/>
+        <a:font script="Yiii" typeface="Microsoft Yi Baiti"/>
+        <a:font script="Tibt" typeface="Microsoft Himalaya"/>
+        <a:font script="Thaa" typeface="MV Boli"/>
+        <a:font script="Deva" typeface="Mangal"/>
+        <a:font script="Telu" typeface="Gautami"/>
+        <a:font script="Taml" typeface="Latha"/>
+        <a:font script="Syrc" typeface="Estrangelo Edessa"/>
+        <a:font script="Orya" typeface="Kalinga"/>
+        <a:font script="Mlym" typeface="Kartika"/>
+        <a:font script="Laoo" typeface="DokChampa"/>
+        <a:font script="Sinh" typeface="Iskoola Pota"/>
+        <a:font script="Mong" typeface="Mongolian Baiti"/>
+        <a:font script="Viet" typeface="Arial"/>
+        <a:font script="Uigh" typeface="Microsoft Uighur"/>
+        <a:font script="Geor" typeface="Sylfaen"/>
+      </a:minorFont>
+    </a:fontScheme>
+    <a:fmtScheme name="Office">
+      <a:fillStyleLst>
+        <a:solidFill>
+          <a:schemeClr val="phClr"/>
+        </a:solidFill>
+        <a:gradFill rotWithShape="1">
+          <a:gsLst>
+            <a:gs pos="0">
+              <a:schemeClr val="phClr">
+                <a:lumMod val="110000"/>
+                <a:satMod val="105000"/>
+                <a:tint val="67000"/>
+              </a:schemeClr>
+            </a:gs>
+            <a:gs pos="50000">
+              <a:schemeClr val="phClr">
+                <a:lumMod val="105000"/>
+                <a:satMod val="103000"/>
+                <a:tint val="73000"/>
+              </a:schemeClr>
+            </a:gs>
+            <a:gs pos="100000">
+              <a:schemeClr val="phClr">
+                <a:lumMod val="105000"/>
+                <a:satMod val="109000"/>
+                <a:tint val="81000"/>
+              </a:schemeClr>
+            </a:gs>
+          </a:gsLst>
+          <a:lin ang="5400000" scaled="0"/>
+        </a:gradFill>
+        <a:gradFill rotWithShape="1">
+          <a:gsLst>
+            <a:gs pos="0">
+              <a:schemeClr val="phClr">
+                <a:satMod val="103000"/>
+                <a:lumMod val="102000"/>
+                <a:tint val="94000"/>
+              </a:schemeClr>
+            </a:gs>
+            <a:gs pos="50000">
+              <a:schemeClr val="phClr">
+                <a:satMod val="110000"/>
+                <a:lumMod val="100000"/>
+                <a:shade val="100000"/>
+              </a:schemeClr>
+            </a:gs>
+            <a:gs pos="100000">
+              <a:schemeClr val="phClr">
+                <a:lumMod val="99000"/>
+                <a:satMod val="120000"/>
+                <a:shade val="78000"/>
+              </a:schemeClr>
+            </a:gs>
+          </a:gsLst>
+          <a:lin ang="5400000" scaled="0"/>
+        </a:gradFill>
+      </a:fillStyleLst>
+      <a:lnStyleLst>
+        <a:ln w="6350" cap="flat" cmpd="sng" algn="ctr">
+          <a:solidFill>
+            <a:schemeClr val="phClr"/>
+          </a:solidFill>
+          <a:prstDash val="solid"/>
+          <a:miter lim="800000"/>
+        </a:ln>
+        <a:ln w="12700" cap="flat" cmpd="sng" algn="ctr">
+          <a:solidFill>
+            <a:schemeClr val="phClr"/>
+          </a:solidFill>
+          <a:prstDash val="solid"/>
+          <a:miter lim="800000"/>
+        </a:ln>
+        <a:ln w="19050" cap="flat" cmpd="sng" algn="ctr">
+          <a:solidFill>
+            <a:schemeClr val="phClr"/>
+          </a:solidFill>
+          <a:prstDash val="solid"/>
+          <a:miter lim="800000"/>
+        </a:ln>
+      </a:lnStyleLst>
+      <a:effectStyleLst>
+        <a:effectStyle>
+          <a:effectLst/>
+        </a:effectStyle>
+        <a:effectStyle>
+          <a:effectLst/>
+        </a:effectStyle>
+        <a:effectStyle>
+          <a:effectLst>
+            <a:outerShdw blurRad="57150" dist="19050" dir="5400000" algn="ctr" rotWithShape="0">
+              <a:srgbClr val="000000">
+                <a:alpha val="63000"/>
+              </a:srgbClr>
+            </a:outerShdw>
+          </a:effectLst>
+        </a:effectStyle>
+      </a:effectStyleLst>
+      <a:bgFillStyleLst>
+        <a:solidFill>
+          <a:schemeClr val="phClr"/>
+        </a:solidFill>
+        <a:solidFill>
+          <a:schemeClr val="phClr">
+            <a:tint val="95000"/>
+            <a:satMod val="170000"/>
+          </a:schemeClr>
+        </a:solidFill>
+        <a:gradFill rotWithShape="1">
+          <a:gsLst>
+            <a:gs pos="0">
+              <a:schemeClr val="phClr">
+                <a:tint val="93000"/>
+                <a:satMod val="150000"/>
+                <a:shade val="98000"/>
+                <a:lumMod val="102000"/>
+              </a:schemeClr>
+            </a:gs>
+            <a:gs pos="50000">
+              <a:schemeClr val="phClr">
+                <a:tint val="98000"/>
+                <a:satMod val="130000"/>
+                <a:shade val="90000"/>
+                <a:lumMod val="103000"/>
+              </a:schemeClr>
+            </a:gs>
+            <a:gs pos="100000">
+              <a:schemeClr val="phClr">
+                <a:shade val="63000"/>
+                <a:satMod val="120000"/>
+              </a:schemeClr>
+            </a:gs>
+          </a:gsLst>
+          <a:lin ang="5400000" scaled="0"/>
+        </a:gradFill>
+      </a:bgFillStyleLst>
+    </a:fmtScheme>
+  </a:themeElements>
+  <a:objectDefaults/>
+  <a:extraClrSchemeLst/>
+  <a:extLst>
+    <a:ext uri="{05A4C25C-085E-4340-85A3-A5531E510DB2}">
+      <thm15:themeFamily xmlns:thm15="http://schemas.microsoft.com/office/thememl/2012/main" name="Office Theme" id="{62F939B6-93AF-4DB8-9C6B-D6C7DFDC589F}" vid="{4A3C46E8-61CC-4603-A589-7422A47A8E4A}"/>
+    </a:ext>
+  </a:extLst>
+</a:theme>
 </file>